--- a/Project/Music_Recommendation_Review-1.pptx
+++ b/Project/Music_Recommendation_Review-1.pptx
@@ -9,9 +9,13 @@
     <p:sldId id="257" r:id="rId3"/>
     <p:sldId id="258" r:id="rId4"/>
     <p:sldId id="259" r:id="rId5"/>
-    <p:sldId id="260" r:id="rId6"/>
-    <p:sldId id="261" r:id="rId7"/>
-    <p:sldId id="262" r:id="rId8"/>
+    <p:sldId id="262" r:id="rId6"/>
+    <p:sldId id="260" r:id="rId7"/>
+    <p:sldId id="261" r:id="rId8"/>
+    <p:sldId id="263" r:id="rId9"/>
+    <p:sldId id="264" r:id="rId10"/>
+    <p:sldId id="265" r:id="rId11"/>
+    <p:sldId id="266" r:id="rId12"/>
   </p:sldIdLst>
   <p:sldSz cx="9144000" cy="5143500" type="screen16x9"/>
   <p:notesSz cx="9144000" cy="5143500"/>
@@ -190,7 +194,7 @@
           <a:p>
             <a:fld id="{1D8BD707-D9CF-40AE-B4C6-C98DA3205C09}" type="datetimeFigureOut">
               <a:rPr lang="en-US"/>
-              <a:t>2/24/2025</a:t>
+              <a:t>3/4/2025</a:t>
             </a:fld>
             <a:endParaRPr lang="en-US"/>
           </a:p>
@@ -367,7 +371,7 @@
           <a:p>
             <a:fld id="{1D8BD707-D9CF-40AE-B4C6-C98DA3205C09}" type="datetimeFigureOut">
               <a:rPr lang="en-US"/>
-              <a:t>2/24/2025</a:t>
+              <a:t>3/4/2025</a:t>
             </a:fld>
             <a:endParaRPr lang="en-US"/>
           </a:p>
@@ -581,7 +585,7 @@
           <a:p>
             <a:fld id="{1D8BD707-D9CF-40AE-B4C6-C98DA3205C09}" type="datetimeFigureOut">
               <a:rPr lang="en-US"/>
-              <a:t>2/24/2025</a:t>
+              <a:t>3/4/2025</a:t>
             </a:fld>
             <a:endParaRPr lang="en-US"/>
           </a:p>
@@ -729,7 +733,7 @@
           <a:p>
             <a:fld id="{1D8BD707-D9CF-40AE-B4C6-C98DA3205C09}" type="datetimeFigureOut">
               <a:rPr lang="en-US"/>
-              <a:t>2/24/2025</a:t>
+              <a:t>3/4/2025</a:t>
             </a:fld>
             <a:endParaRPr lang="en-US"/>
           </a:p>
@@ -848,7 +852,7 @@
           <a:p>
             <a:fld id="{1D8BD707-D9CF-40AE-B4C6-C98DA3205C09}" type="datetimeFigureOut">
               <a:rPr lang="en-US"/>
-              <a:t>2/24/2025</a:t>
+              <a:t>3/4/2025</a:t>
             </a:fld>
             <a:endParaRPr lang="en-US"/>
           </a:p>
@@ -1095,7 +1099,7 @@
           <a:p>
             <a:fld id="{1D8BD707-D9CF-40AE-B4C6-C98DA3205C09}" type="datetimeFigureOut">
               <a:rPr lang="en-US"/>
-              <a:t>2/24/2025</a:t>
+              <a:t>3/4/2025</a:t>
             </a:fld>
             <a:endParaRPr lang="en-US"/>
           </a:p>
@@ -1961,6 +1965,140 @@
 </p:sld>
 </file>
 
+<file path=ppt/slides/slide10.xml><?xml version="1.0" encoding="utf-8"?>
+<p:sld xmlns:a="http://schemas.openxmlformats.org/drawingml/2006/main" xmlns:r="http://schemas.openxmlformats.org/officeDocument/2006/relationships" xmlns:p="http://schemas.openxmlformats.org/presentationml/2006/main">
+  <p:cSld>
+    <p:spTree>
+      <p:nvGrpSpPr>
+        <p:cNvPr id="1" name=""/>
+        <p:cNvGrpSpPr/>
+        <p:nvPr/>
+      </p:nvGrpSpPr>
+      <p:grpSpPr>
+        <a:xfrm>
+          <a:off x="0" y="0"/>
+          <a:ext cx="0" cy="0"/>
+          <a:chOff x="0" y="0"/>
+          <a:chExt cx="0" cy="0"/>
+        </a:xfrm>
+      </p:grpSpPr>
+      <p:pic>
+        <p:nvPicPr>
+          <p:cNvPr id="6" name="Picture 5">
+            <a:extLst>
+              <a:ext uri="{FF2B5EF4-FFF2-40B4-BE49-F238E27FC236}">
+                <a16:creationId xmlns:a16="http://schemas.microsoft.com/office/drawing/2014/main" id="{84C1EE62-DA32-FD84-5BD1-56E05791A7EB}"/>
+              </a:ext>
+            </a:extLst>
+          </p:cNvPr>
+          <p:cNvPicPr>
+            <a:picLocks noChangeAspect="1"/>
+          </p:cNvPicPr>
+          <p:nvPr/>
+        </p:nvPicPr>
+        <p:blipFill>
+          <a:blip r:embed="rId2">
+            <a:extLst>
+              <a:ext uri="{28A0092B-C50C-407E-A947-70E740481C1C}">
+                <a14:useLocalDpi xmlns:a14="http://schemas.microsoft.com/office/drawing/2010/main" val="0"/>
+              </a:ext>
+            </a:extLst>
+          </a:blip>
+          <a:stretch>
+            <a:fillRect/>
+          </a:stretch>
+        </p:blipFill>
+        <p:spPr>
+          <a:xfrm>
+            <a:off x="381000" y="196342"/>
+            <a:ext cx="8077200" cy="4750815"/>
+          </a:xfrm>
+          <a:prstGeom prst="rect">
+            <a:avLst/>
+          </a:prstGeom>
+        </p:spPr>
+      </p:pic>
+    </p:spTree>
+    <p:extLst>
+      <p:ext uri="{BB962C8B-B14F-4D97-AF65-F5344CB8AC3E}">
+        <p14:creationId xmlns:p14="http://schemas.microsoft.com/office/powerpoint/2010/main" val="3268213698"/>
+      </p:ext>
+    </p:extLst>
+  </p:cSld>
+  <p:clrMapOvr>
+    <a:masterClrMapping/>
+  </p:clrMapOvr>
+</p:sld>
+</file>
+
+<file path=ppt/slides/slide11.xml><?xml version="1.0" encoding="utf-8"?>
+<p:sld xmlns:a="http://schemas.openxmlformats.org/drawingml/2006/main" xmlns:r="http://schemas.openxmlformats.org/officeDocument/2006/relationships" xmlns:p="http://schemas.openxmlformats.org/presentationml/2006/main">
+  <p:cSld>
+    <p:spTree>
+      <p:nvGrpSpPr>
+        <p:cNvPr id="1" name=""/>
+        <p:cNvGrpSpPr/>
+        <p:nvPr/>
+      </p:nvGrpSpPr>
+      <p:grpSpPr>
+        <a:xfrm>
+          <a:off x="0" y="0"/>
+          <a:ext cx="0" cy="0"/>
+          <a:chOff x="0" y="0"/>
+          <a:chExt cx="0" cy="0"/>
+        </a:xfrm>
+      </p:grpSpPr>
+      <p:sp>
+        <p:nvSpPr>
+          <p:cNvPr id="2" name="TextBox 1">
+            <a:extLst>
+              <a:ext uri="{FF2B5EF4-FFF2-40B4-BE49-F238E27FC236}">
+                <a16:creationId xmlns:a16="http://schemas.microsoft.com/office/drawing/2014/main" id="{D8919352-06E0-E967-0964-8FF30A5323E5}"/>
+              </a:ext>
+            </a:extLst>
+          </p:cNvPr>
+          <p:cNvSpPr txBox="1"/>
+          <p:nvPr/>
+        </p:nvSpPr>
+        <p:spPr>
+          <a:xfrm>
+            <a:off x="3113908" y="2187029"/>
+            <a:ext cx="2738250" cy="769441"/>
+          </a:xfrm>
+          <a:prstGeom prst="rect">
+            <a:avLst/>
+          </a:prstGeom>
+          <a:noFill/>
+        </p:spPr>
+        <p:txBody>
+          <a:bodyPr wrap="none" rtlCol="0">
+            <a:spAutoFit/>
+          </a:bodyPr>
+          <a:lstStyle/>
+          <a:p>
+            <a:r>
+              <a:rPr lang="en-IN" sz="4400" dirty="0">
+                <a:latin typeface="Times New Roman" panose="02020603050405020304" pitchFamily="18" charset="0"/>
+                <a:cs typeface="Times New Roman" panose="02020603050405020304" pitchFamily="18" charset="0"/>
+              </a:rPr>
+              <a:t>Thank You</a:t>
+            </a:r>
+          </a:p>
+        </p:txBody>
+      </p:sp>
+    </p:spTree>
+    <p:extLst>
+      <p:ext uri="{BB962C8B-B14F-4D97-AF65-F5344CB8AC3E}">
+        <p14:creationId xmlns:p14="http://schemas.microsoft.com/office/powerpoint/2010/main" val="2634192693"/>
+      </p:ext>
+    </p:extLst>
+  </p:cSld>
+  <p:clrMapOvr>
+    <a:masterClrMapping/>
+  </p:clrMapOvr>
+</p:sld>
+</file>
+
 <file path=ppt/slides/slide2.xml><?xml version="1.0" encoding="utf-8"?>
 <p:sld xmlns:a="http://schemas.openxmlformats.org/drawingml/2006/main" xmlns:r="http://schemas.openxmlformats.org/officeDocument/2006/relationships" xmlns:p="http://schemas.openxmlformats.org/presentationml/2006/main">
   <p:cSld>
@@ -2097,160 +2235,14 @@
               </a:tabLst>
             </a:pPr>
             <a:r>
-              <a:rPr sz="1600" dirty="0">
+              <a:rPr lang="en-IN" sz="1600" dirty="0">
                 <a:solidFill>
                   <a:srgbClr val="202020"/>
                 </a:solidFill>
                 <a:latin typeface="Roboto"/>
                 <a:cs typeface="Roboto"/>
               </a:rPr>
-              <a:t>Problem</a:t>
-            </a:r>
-            <a:r>
-              <a:rPr sz="1600" spc="-75" dirty="0">
-                <a:solidFill>
-                  <a:srgbClr val="202020"/>
-                </a:solidFill>
-                <a:latin typeface="Roboto"/>
-                <a:cs typeface="Roboto"/>
-              </a:rPr>
-              <a:t> </a:t>
-            </a:r>
-            <a:r>
-              <a:rPr sz="1600" spc="-10" dirty="0">
-                <a:solidFill>
-                  <a:srgbClr val="202020"/>
-                </a:solidFill>
-                <a:latin typeface="Roboto"/>
-                <a:cs typeface="Roboto"/>
-              </a:rPr>
-              <a:t>Statement</a:t>
-            </a:r>
-            <a:endParaRPr sz="1600" dirty="0">
-              <a:latin typeface="Roboto"/>
-              <a:cs typeface="Roboto"/>
-            </a:endParaRPr>
-          </a:p>
-          <a:p>
-            <a:pPr>
-              <a:lnSpc>
-                <a:spcPct val="100000"/>
-              </a:lnSpc>
-              <a:buClr>
-                <a:srgbClr val="202020"/>
-              </a:buClr>
-              <a:buFont typeface="Arial MT"/>
-              <a:buChar char="•"/>
-            </a:pPr>
-            <a:endParaRPr sz="1600" dirty="0">
-              <a:latin typeface="Roboto"/>
-              <a:cs typeface="Roboto"/>
-            </a:endParaRPr>
-          </a:p>
-          <a:p>
-            <a:pPr marL="354965" indent="-342265">
-              <a:lnSpc>
-                <a:spcPct val="100000"/>
-              </a:lnSpc>
-              <a:buSzPct val="125000"/>
-              <a:buFont typeface="Arial MT"/>
-              <a:buChar char="•"/>
-              <a:tabLst>
-                <a:tab pos="354965" algn="l"/>
-              </a:tabLst>
-            </a:pPr>
-            <a:r>
-              <a:rPr sz="1600" spc="-10" dirty="0">
-                <a:solidFill>
-                  <a:srgbClr val="202020"/>
-                </a:solidFill>
-                <a:latin typeface="Roboto"/>
-                <a:cs typeface="Roboto"/>
-              </a:rPr>
-              <a:t>Points</a:t>
-            </a:r>
-            <a:r>
-              <a:rPr sz="1600" spc="-25" dirty="0">
-                <a:solidFill>
-                  <a:srgbClr val="202020"/>
-                </a:solidFill>
-                <a:latin typeface="Roboto"/>
-                <a:cs typeface="Roboto"/>
-              </a:rPr>
-              <a:t> </a:t>
-            </a:r>
-            <a:r>
-              <a:rPr sz="1600" dirty="0">
-                <a:solidFill>
-                  <a:srgbClr val="202020"/>
-                </a:solidFill>
-                <a:latin typeface="Roboto"/>
-                <a:cs typeface="Roboto"/>
-              </a:rPr>
-              <a:t>for</a:t>
-            </a:r>
-            <a:r>
-              <a:rPr sz="1600" spc="-20" dirty="0">
-                <a:solidFill>
-                  <a:srgbClr val="202020"/>
-                </a:solidFill>
-                <a:latin typeface="Roboto"/>
-                <a:cs typeface="Roboto"/>
-              </a:rPr>
-              <a:t> </a:t>
-            </a:r>
-            <a:r>
-              <a:rPr sz="1600" spc="-10" dirty="0">
-                <a:solidFill>
-                  <a:srgbClr val="202020"/>
-                </a:solidFill>
-                <a:latin typeface="Roboto"/>
-                <a:cs typeface="Roboto"/>
-              </a:rPr>
-              <a:t>discussion</a:t>
-            </a:r>
-            <a:endParaRPr sz="1600" dirty="0">
-              <a:latin typeface="Roboto"/>
-              <a:cs typeface="Roboto"/>
-            </a:endParaRPr>
-          </a:p>
-          <a:p>
-            <a:pPr>
-              <a:lnSpc>
-                <a:spcPct val="100000"/>
-              </a:lnSpc>
-              <a:buClr>
-                <a:srgbClr val="202020"/>
-              </a:buClr>
-              <a:buFont typeface="Arial MT"/>
-              <a:buChar char="•"/>
-            </a:pPr>
-            <a:endParaRPr sz="1600" dirty="0">
-              <a:latin typeface="Roboto"/>
-              <a:cs typeface="Roboto"/>
-            </a:endParaRPr>
-          </a:p>
-          <a:p>
-            <a:pPr marL="354965" indent="-342265">
-              <a:lnSpc>
-                <a:spcPct val="100000"/>
-              </a:lnSpc>
-              <a:buSzPct val="125000"/>
-              <a:buFont typeface="Arial MT"/>
-              <a:buChar char="•"/>
-              <a:tabLst>
-                <a:tab pos="354965" algn="l"/>
-              </a:tabLst>
-            </a:pPr>
-            <a:r>
-              <a:rPr lang="en-IN" sz="1600" spc="-10" dirty="0">
-                <a:solidFill>
-                  <a:srgbClr val="202020"/>
-                </a:solidFill>
-                <a:latin typeface="Roboto"/>
-                <a:cs typeface="Roboto"/>
-              </a:rPr>
-              <a:t>Data Analysis Steps</a:t>
+              <a:t>Dataset Overview</a:t>
             </a:r>
           </a:p>
           <a:p>
@@ -2275,6 +2267,86 @@
               <a:lnSpc>
                 <a:spcPct val="100000"/>
               </a:lnSpc>
+              <a:buSzPct val="125000"/>
+              <a:buFont typeface="Arial MT"/>
+              <a:buChar char="•"/>
+              <a:tabLst>
+                <a:tab pos="354965" algn="l"/>
+              </a:tabLst>
+            </a:pPr>
+            <a:r>
+              <a:rPr lang="en-IN" sz="1600" spc="-10" dirty="0">
+                <a:solidFill>
+                  <a:srgbClr val="202020"/>
+                </a:solidFill>
+                <a:latin typeface="Roboto"/>
+                <a:cs typeface="Roboto"/>
+              </a:rPr>
+              <a:t>Attributes of each variable</a:t>
+            </a:r>
+          </a:p>
+          <a:p>
+            <a:pPr marL="354965" indent="-342265">
+              <a:lnSpc>
+                <a:spcPct val="100000"/>
+              </a:lnSpc>
+              <a:buSzPct val="125000"/>
+              <a:buFont typeface="Arial MT"/>
+              <a:buChar char="•"/>
+              <a:tabLst>
+                <a:tab pos="354965" algn="l"/>
+              </a:tabLst>
+            </a:pPr>
+            <a:endParaRPr lang="en-IN" sz="1600" dirty="0">
+              <a:latin typeface="Roboto"/>
+              <a:cs typeface="Roboto"/>
+            </a:endParaRPr>
+          </a:p>
+          <a:p>
+            <a:pPr marL="354965" indent="-342265">
+              <a:lnSpc>
+                <a:spcPct val="100000"/>
+              </a:lnSpc>
+              <a:buSzPct val="125000"/>
+              <a:buFont typeface="Arial MT"/>
+              <a:buChar char="•"/>
+              <a:tabLst>
+                <a:tab pos="354965" algn="l"/>
+              </a:tabLst>
+            </a:pPr>
+            <a:r>
+              <a:rPr lang="en-IN" sz="1600" spc="-10" dirty="0">
+                <a:solidFill>
+                  <a:srgbClr val="202020"/>
+                </a:solidFill>
+                <a:latin typeface="Roboto"/>
+                <a:cs typeface="Roboto"/>
+              </a:rPr>
+              <a:t>Data Preprocessing</a:t>
+            </a:r>
+          </a:p>
+          <a:p>
+            <a:pPr marL="354965" indent="-342265">
+              <a:lnSpc>
+                <a:spcPct val="100000"/>
+              </a:lnSpc>
+              <a:buSzPct val="125000"/>
+              <a:buFont typeface="Arial MT"/>
+              <a:buChar char="•"/>
+              <a:tabLst>
+                <a:tab pos="354965" algn="l"/>
+              </a:tabLst>
+            </a:pPr>
+            <a:endParaRPr lang="en-IN" sz="1600" dirty="0">
+              <a:latin typeface="Roboto"/>
+              <a:cs typeface="Roboto"/>
+            </a:endParaRPr>
+          </a:p>
+          <a:p>
+            <a:pPr marL="354965" indent="-342265">
+              <a:lnSpc>
+                <a:spcPct val="100000"/>
+              </a:lnSpc>
               <a:spcBef>
                 <a:spcPts val="5"/>
               </a:spcBef>
@@ -2293,7 +2365,7 @@
                 <a:latin typeface="Roboto"/>
                 <a:cs typeface="Roboto"/>
               </a:rPr>
-              <a:t>Attributes of each variable</a:t>
+              <a:t>Data Analysis Steps</a:t>
             </a:r>
             <a:endParaRPr lang="en-IN" sz="1600" dirty="0">
               <a:latin typeface="Roboto"/>
@@ -2411,8 +2483,8 @@
         </p:nvSpPr>
         <p:spPr>
           <a:xfrm>
-            <a:off x="193039" y="1209929"/>
-            <a:ext cx="8310245" cy="2382704"/>
+            <a:off x="193039" y="1276350"/>
+            <a:ext cx="8310245" cy="2475037"/>
           </a:xfrm>
           <a:prstGeom prst="rect">
             <a:avLst/>
@@ -2424,148 +2496,199 @@
           </a:bodyPr>
           <a:lstStyle/>
           <a:p>
-            <a:pPr algn="just"/>
-            <a:r>
-              <a:rPr lang="en-US" sz="1400" dirty="0">
-                <a:latin typeface="Roboto" panose="02000000000000000000" pitchFamily="2" charset="0"/>
-                <a:ea typeface="Roboto" panose="02000000000000000000" pitchFamily="2" charset="0"/>
-                <a:cs typeface="Roboto" panose="02000000000000000000" pitchFamily="2" charset="0"/>
-              </a:rPr>
-              <a:t>A music recommendation system suggests songs based on user preferences and song attributes. This project focuses on </a:t>
-            </a:r>
-            <a:r>
-              <a:rPr lang="en-US" sz="1400" b="1" dirty="0">
-                <a:latin typeface="Roboto" panose="02000000000000000000" pitchFamily="2" charset="0"/>
-                <a:ea typeface="Roboto" panose="02000000000000000000" pitchFamily="2" charset="0"/>
-                <a:cs typeface="Roboto" panose="02000000000000000000" pitchFamily="2" charset="0"/>
-              </a:rPr>
-              <a:t>Yoga, Relaxation, and Devotional music</a:t>
-            </a:r>
-            <a:r>
-              <a:rPr lang="en-US" sz="1400" dirty="0">
-                <a:latin typeface="Roboto" panose="02000000000000000000" pitchFamily="2" charset="0"/>
-                <a:ea typeface="Roboto" panose="02000000000000000000" pitchFamily="2" charset="0"/>
-                <a:cs typeface="Roboto" panose="02000000000000000000" pitchFamily="2" charset="0"/>
-              </a:rPr>
-              <a:t> to enhance user experience.</a:t>
-            </a:r>
-          </a:p>
-          <a:p>
-            <a:pPr algn="just"/>
-            <a:endParaRPr lang="en-US" sz="1400" dirty="0">
-              <a:latin typeface="Roboto" panose="02000000000000000000" pitchFamily="2" charset="0"/>
-              <a:ea typeface="Roboto" panose="02000000000000000000" pitchFamily="2" charset="0"/>
-              <a:cs typeface="Roboto" panose="02000000000000000000" pitchFamily="2" charset="0"/>
+            <a:pPr marL="342900" marR="0" lvl="0" indent="-342900" algn="l" defTabSz="914400" rtl="0" eaLnBrk="0" fontAlgn="base" latinLnBrk="0" hangingPunct="0">
+              <a:lnSpc>
+                <a:spcPct val="100000"/>
+              </a:lnSpc>
+              <a:spcBef>
+                <a:spcPct val="0"/>
+              </a:spcBef>
+              <a:spcAft>
+                <a:spcPct val="0"/>
+              </a:spcAft>
+              <a:buClrTx/>
+              <a:buSzTx/>
+              <a:buFont typeface="Wingdings" panose="05000000000000000000" pitchFamily="2" charset="2"/>
+              <a:buChar char="q"/>
+              <a:tabLst/>
+            </a:pPr>
+            <a:r>
+              <a:rPr kumimoji="0" lang="en-US" altLang="en-US" sz="2000" b="1" i="0" u="none" strike="noStrike" cap="none" normalizeH="0" baseline="0" dirty="0">
+                <a:ln>
+                  <a:noFill/>
+                </a:ln>
+                <a:solidFill>
+                  <a:schemeClr val="tx1"/>
+                </a:solidFill>
+                <a:effectLst/>
+                <a:latin typeface="Times New Roman" panose="02020603050405020304" pitchFamily="18" charset="0"/>
+                <a:cs typeface="Times New Roman" panose="02020603050405020304" pitchFamily="18" charset="0"/>
+              </a:rPr>
+              <a:t>Overview</a:t>
+            </a:r>
+            <a:r>
+              <a:rPr kumimoji="0" lang="en-US" altLang="en-US" sz="2000" b="0" i="0" u="none" strike="noStrike" cap="none" normalizeH="0" baseline="0" dirty="0">
+                <a:ln>
+                  <a:noFill/>
+                </a:ln>
+                <a:solidFill>
+                  <a:schemeClr val="tx1"/>
+                </a:solidFill>
+                <a:effectLst/>
+                <a:latin typeface="Times New Roman" panose="02020603050405020304" pitchFamily="18" charset="0"/>
+                <a:cs typeface="Times New Roman" panose="02020603050405020304" pitchFamily="18" charset="0"/>
+              </a:rPr>
+              <a:t>: A Python-based system leveraging Spotify dataset to recommend songs with similar audio features using machine learning. </a:t>
+            </a:r>
+          </a:p>
+          <a:p>
+            <a:pPr marL="342900" marR="0" lvl="0" indent="-342900" algn="l" defTabSz="914400" rtl="0" eaLnBrk="0" fontAlgn="base" latinLnBrk="0" hangingPunct="0">
+              <a:lnSpc>
+                <a:spcPct val="100000"/>
+              </a:lnSpc>
+              <a:spcBef>
+                <a:spcPct val="0"/>
+              </a:spcBef>
+              <a:spcAft>
+                <a:spcPct val="0"/>
+              </a:spcAft>
+              <a:buClrTx/>
+              <a:buSzTx/>
+              <a:buFont typeface="Wingdings" panose="05000000000000000000" pitchFamily="2" charset="2"/>
+              <a:buChar char="q"/>
+              <a:tabLst/>
+            </a:pPr>
+            <a:endParaRPr kumimoji="0" lang="en-US" altLang="en-US" sz="2000" b="0" i="0" u="none" strike="noStrike" cap="none" normalizeH="0" baseline="0" dirty="0">
+              <a:ln>
+                <a:noFill/>
+              </a:ln>
+              <a:solidFill>
+                <a:schemeClr val="tx1"/>
+              </a:solidFill>
+              <a:effectLst/>
+              <a:latin typeface="Times New Roman" panose="02020603050405020304" pitchFamily="18" charset="0"/>
+              <a:cs typeface="Times New Roman" panose="02020603050405020304" pitchFamily="18" charset="0"/>
             </a:endParaRPr>
           </a:p>
           <a:p>
-            <a:pPr algn="just"/>
-            <a:endParaRPr lang="en-US" sz="1400" dirty="0">
-              <a:latin typeface="Roboto" panose="02000000000000000000" pitchFamily="2" charset="0"/>
-              <a:ea typeface="Roboto" panose="02000000000000000000" pitchFamily="2" charset="0"/>
-              <a:cs typeface="Roboto" panose="02000000000000000000" pitchFamily="2" charset="0"/>
+            <a:pPr marL="342900" marR="0" lvl="0" indent="-342900" algn="l" defTabSz="914400" rtl="0" eaLnBrk="0" fontAlgn="base" latinLnBrk="0" hangingPunct="0">
+              <a:lnSpc>
+                <a:spcPct val="100000"/>
+              </a:lnSpc>
+              <a:spcBef>
+                <a:spcPct val="0"/>
+              </a:spcBef>
+              <a:spcAft>
+                <a:spcPct val="0"/>
+              </a:spcAft>
+              <a:buClrTx/>
+              <a:buSzTx/>
+              <a:buFont typeface="Wingdings" panose="05000000000000000000" pitchFamily="2" charset="2"/>
+              <a:buChar char="q"/>
+              <a:tabLst/>
+            </a:pPr>
+            <a:r>
+              <a:rPr kumimoji="0" lang="en-US" altLang="en-US" sz="2000" b="1" i="0" u="none" strike="noStrike" cap="none" normalizeH="0" baseline="0" dirty="0">
+                <a:ln>
+                  <a:noFill/>
+                </a:ln>
+                <a:solidFill>
+                  <a:schemeClr val="tx1"/>
+                </a:solidFill>
+                <a:effectLst/>
+                <a:latin typeface="Times New Roman" panose="02020603050405020304" pitchFamily="18" charset="0"/>
+                <a:cs typeface="Times New Roman" panose="02020603050405020304" pitchFamily="18" charset="0"/>
+              </a:rPr>
+              <a:t>Importance</a:t>
+            </a:r>
+            <a:r>
+              <a:rPr kumimoji="0" lang="en-US" altLang="en-US" sz="2000" b="0" i="0" u="none" strike="noStrike" cap="none" normalizeH="0" baseline="0" dirty="0">
+                <a:ln>
+                  <a:noFill/>
+                </a:ln>
+                <a:solidFill>
+                  <a:schemeClr val="tx1"/>
+                </a:solidFill>
+                <a:effectLst/>
+                <a:latin typeface="Times New Roman" panose="02020603050405020304" pitchFamily="18" charset="0"/>
+                <a:cs typeface="Times New Roman" panose="02020603050405020304" pitchFamily="18" charset="0"/>
+              </a:rPr>
+              <a:t>: Music recommendation enhances user experience on platforms like Spotify by suggesting songs matching taste. </a:t>
+            </a:r>
+          </a:p>
+          <a:p>
+            <a:pPr marL="342900" marR="0" lvl="0" indent="-342900" algn="l" defTabSz="914400" rtl="0" eaLnBrk="0" fontAlgn="base" latinLnBrk="0" hangingPunct="0">
+              <a:lnSpc>
+                <a:spcPct val="100000"/>
+              </a:lnSpc>
+              <a:spcBef>
+                <a:spcPct val="0"/>
+              </a:spcBef>
+              <a:spcAft>
+                <a:spcPct val="0"/>
+              </a:spcAft>
+              <a:buClrTx/>
+              <a:buSzTx/>
+              <a:buFont typeface="Wingdings" panose="05000000000000000000" pitchFamily="2" charset="2"/>
+              <a:buChar char="q"/>
+              <a:tabLst/>
+            </a:pPr>
+            <a:endParaRPr kumimoji="0" lang="en-US" altLang="en-US" sz="2000" b="0" i="0" u="none" strike="noStrike" cap="none" normalizeH="0" baseline="0" dirty="0">
+              <a:ln>
+                <a:noFill/>
+              </a:ln>
+              <a:solidFill>
+                <a:schemeClr val="tx1"/>
+              </a:solidFill>
+              <a:effectLst/>
+              <a:latin typeface="Times New Roman" panose="02020603050405020304" pitchFamily="18" charset="0"/>
+              <a:cs typeface="Times New Roman" panose="02020603050405020304" pitchFamily="18" charset="0"/>
             </a:endParaRPr>
           </a:p>
           <a:p>
-            <a:pPr algn="just"/>
-            <a:r>
-              <a:rPr lang="en-US" sz="1400" dirty="0">
-                <a:latin typeface="Roboto" panose="02000000000000000000" pitchFamily="2" charset="0"/>
-                <a:ea typeface="Roboto" panose="02000000000000000000" pitchFamily="2" charset="0"/>
-                <a:cs typeface="Roboto" panose="02000000000000000000" pitchFamily="2" charset="0"/>
-              </a:rPr>
-              <a:t>Since the client lacks a user base to generate recommendations from listening history, a </a:t>
-            </a:r>
-            <a:r>
-              <a:rPr lang="en-US" sz="1400" b="1" dirty="0">
-                <a:latin typeface="Roboto" panose="02000000000000000000" pitchFamily="2" charset="0"/>
-                <a:ea typeface="Roboto" panose="02000000000000000000" pitchFamily="2" charset="0"/>
-                <a:cs typeface="Roboto" panose="02000000000000000000" pitchFamily="2" charset="0"/>
-              </a:rPr>
-              <a:t>content-based filtering approach</a:t>
-            </a:r>
-            <a:r>
-              <a:rPr lang="en-US" sz="1400" dirty="0">
-                <a:latin typeface="Roboto" panose="02000000000000000000" pitchFamily="2" charset="0"/>
-                <a:ea typeface="Roboto" panose="02000000000000000000" pitchFamily="2" charset="0"/>
-                <a:cs typeface="Roboto" panose="02000000000000000000" pitchFamily="2" charset="0"/>
-              </a:rPr>
-              <a:t> will be used to suggest songs based on track features.</a:t>
-            </a:r>
-          </a:p>
-          <a:p>
-            <a:pPr algn="just"/>
-            <a:endParaRPr lang="en-US" sz="1400" dirty="0">
-              <a:latin typeface="Roboto" panose="02000000000000000000" pitchFamily="2" charset="0"/>
-              <a:ea typeface="Roboto" panose="02000000000000000000" pitchFamily="2" charset="0"/>
-              <a:cs typeface="Roboto" panose="02000000000000000000" pitchFamily="2" charset="0"/>
-            </a:endParaRPr>
-          </a:p>
-          <a:p>
-            <a:pPr algn="just"/>
-            <a:endParaRPr lang="en-US" sz="1400" dirty="0">
-              <a:latin typeface="Roboto" panose="02000000000000000000" pitchFamily="2" charset="0"/>
-              <a:ea typeface="Roboto" panose="02000000000000000000" pitchFamily="2" charset="0"/>
-              <a:cs typeface="Roboto" panose="02000000000000000000" pitchFamily="2" charset="0"/>
-            </a:endParaRPr>
-          </a:p>
-          <a:p>
-            <a:pPr algn="just"/>
-            <a:r>
-              <a:rPr lang="en-US" sz="1400" dirty="0">
-                <a:latin typeface="Roboto" panose="02000000000000000000" pitchFamily="2" charset="0"/>
-                <a:ea typeface="Roboto" panose="02000000000000000000" pitchFamily="2" charset="0"/>
-                <a:cs typeface="Roboto" panose="02000000000000000000" pitchFamily="2" charset="0"/>
-              </a:rPr>
-              <a:t>The goal is to develop a system that effectively recommends music by analyzing attributes like </a:t>
-            </a:r>
-            <a:r>
-              <a:rPr lang="en-US" sz="1400" b="1" dirty="0">
-                <a:latin typeface="Roboto" panose="02000000000000000000" pitchFamily="2" charset="0"/>
-                <a:ea typeface="Roboto" panose="02000000000000000000" pitchFamily="2" charset="0"/>
-                <a:cs typeface="Roboto" panose="02000000000000000000" pitchFamily="2" charset="0"/>
-              </a:rPr>
-              <a:t>danceability, energy, </a:t>
-            </a:r>
-            <a:r>
-              <a:rPr lang="en-US" sz="1400" b="1" dirty="0" err="1">
-                <a:latin typeface="Roboto" panose="02000000000000000000" pitchFamily="2" charset="0"/>
-                <a:ea typeface="Roboto" panose="02000000000000000000" pitchFamily="2" charset="0"/>
-                <a:cs typeface="Roboto" panose="02000000000000000000" pitchFamily="2" charset="0"/>
-              </a:rPr>
-              <a:t>acousticness</a:t>
-            </a:r>
-            <a:r>
-              <a:rPr lang="en-US" sz="1400" b="1" dirty="0">
-                <a:latin typeface="Roboto" panose="02000000000000000000" pitchFamily="2" charset="0"/>
-                <a:ea typeface="Roboto" panose="02000000000000000000" pitchFamily="2" charset="0"/>
-                <a:cs typeface="Roboto" panose="02000000000000000000" pitchFamily="2" charset="0"/>
-              </a:rPr>
-              <a:t>, and valence</a:t>
-            </a:r>
-            <a:r>
-              <a:rPr lang="en-US" sz="1400" dirty="0">
-                <a:latin typeface="Roboto" panose="02000000000000000000" pitchFamily="2" charset="0"/>
-                <a:ea typeface="Roboto" panose="02000000000000000000" pitchFamily="2" charset="0"/>
-                <a:cs typeface="Roboto" panose="02000000000000000000" pitchFamily="2" charset="0"/>
-              </a:rPr>
-              <a:t>, ensuring users receive </a:t>
-            </a:r>
-            <a:r>
-              <a:rPr lang="en-US" sz="1400" b="1" dirty="0">
-                <a:latin typeface="Roboto" panose="02000000000000000000" pitchFamily="2" charset="0"/>
-                <a:ea typeface="Roboto" panose="02000000000000000000" pitchFamily="2" charset="0"/>
-                <a:cs typeface="Roboto" panose="02000000000000000000" pitchFamily="2" charset="0"/>
-              </a:rPr>
-              <a:t>personalized and mood-enhancing music selections</a:t>
-            </a:r>
-            <a:r>
-              <a:rPr lang="en-US" sz="1400" dirty="0">
-                <a:latin typeface="Roboto" panose="02000000000000000000" pitchFamily="2" charset="0"/>
-                <a:ea typeface="Roboto" panose="02000000000000000000" pitchFamily="2" charset="0"/>
-                <a:cs typeface="Roboto" panose="02000000000000000000" pitchFamily="2" charset="0"/>
-              </a:rPr>
-              <a:t>.</a:t>
+            <a:pPr marL="342900" marR="0" lvl="0" indent="-342900" algn="l" defTabSz="914400" rtl="0" eaLnBrk="0" fontAlgn="base" latinLnBrk="0" hangingPunct="0">
+              <a:lnSpc>
+                <a:spcPct val="100000"/>
+              </a:lnSpc>
+              <a:spcBef>
+                <a:spcPct val="0"/>
+              </a:spcBef>
+              <a:spcAft>
+                <a:spcPct val="0"/>
+              </a:spcAft>
+              <a:buClrTx/>
+              <a:buSzTx/>
+              <a:buFont typeface="Wingdings" panose="05000000000000000000" pitchFamily="2" charset="2"/>
+              <a:buChar char="q"/>
+              <a:tabLst/>
+            </a:pPr>
+            <a:r>
+              <a:rPr kumimoji="0" lang="en-US" altLang="en-US" sz="2000" b="1" i="0" u="none" strike="noStrike" cap="none" normalizeH="0" baseline="0" dirty="0">
+                <a:ln>
+                  <a:noFill/>
+                </a:ln>
+                <a:solidFill>
+                  <a:schemeClr val="tx1"/>
+                </a:solidFill>
+                <a:effectLst/>
+                <a:latin typeface="Times New Roman" panose="02020603050405020304" pitchFamily="18" charset="0"/>
+                <a:cs typeface="Times New Roman" panose="02020603050405020304" pitchFamily="18" charset="0"/>
+              </a:rPr>
+              <a:t>Purpose</a:t>
+            </a:r>
+            <a:r>
+              <a:rPr kumimoji="0" lang="en-US" altLang="en-US" sz="2000" b="0" i="0" u="none" strike="noStrike" cap="none" normalizeH="0" baseline="0" dirty="0">
+                <a:ln>
+                  <a:noFill/>
+                </a:ln>
+                <a:solidFill>
+                  <a:schemeClr val="tx1"/>
+                </a:solidFill>
+                <a:effectLst/>
+                <a:latin typeface="Times New Roman" panose="02020603050405020304" pitchFamily="18" charset="0"/>
+                <a:cs typeface="Times New Roman" panose="02020603050405020304" pitchFamily="18" charset="0"/>
+              </a:rPr>
+              <a:t>: Helps users discover songs akin to their favorites (e.g., "Train of Love") by analyzing features like danceability and valence.</a:t>
             </a:r>
           </a:p>
         </p:txBody>
@@ -2607,8 +2730,8 @@
         </p:nvSpPr>
         <p:spPr>
           <a:xfrm>
-            <a:off x="304800" y="299052"/>
-            <a:ext cx="8234680" cy="691464"/>
+            <a:off x="267629" y="-171450"/>
+            <a:ext cx="2837985" cy="680058"/>
           </a:xfrm>
           <a:prstGeom prst="rect">
             <a:avLst/>
@@ -2620,25 +2743,9 @@
           </a:bodyPr>
           <a:lstStyle/>
           <a:p>
-            <a:pPr marL="12700">
-              <a:lnSpc>
-                <a:spcPct val="100000"/>
-              </a:lnSpc>
-              <a:spcBef>
-                <a:spcPts val="100"/>
-              </a:spcBef>
-            </a:pPr>
-            <a:r>
-              <a:rPr spc="-55" dirty="0"/>
-              <a:t>Problem</a:t>
-            </a:r>
-            <a:r>
-              <a:rPr spc="-105" dirty="0"/>
-              <a:t> </a:t>
-            </a:r>
-            <a:r>
-              <a:rPr spc="-50" dirty="0"/>
-              <a:t>Statement</a:t>
+            <a:r>
+              <a:rPr lang="en-IN" dirty="0"/>
+              <a:t>Dataset Overview</a:t>
             </a:r>
           </a:p>
         </p:txBody>
@@ -2651,8 +2758,8 @@
         </p:nvSpPr>
         <p:spPr>
           <a:xfrm>
-            <a:off x="304800" y="1123950"/>
-            <a:ext cx="4662170" cy="3029034"/>
+            <a:off x="267630" y="508608"/>
+            <a:ext cx="8608742" cy="1120820"/>
           </a:xfrm>
           <a:prstGeom prst="rect">
             <a:avLst/>
@@ -2664,126 +2771,235 @@
           </a:bodyPr>
           <a:lstStyle/>
           <a:p>
-            <a:pPr algn="just"/>
-            <a:r>
-              <a:rPr lang="en-US" sz="1400" dirty="0">
-                <a:latin typeface="Roboto" panose="02000000000000000000" pitchFamily="2" charset="0"/>
-                <a:ea typeface="Roboto" panose="02000000000000000000" pitchFamily="2" charset="0"/>
-                <a:cs typeface="Roboto" panose="02000000000000000000" pitchFamily="2" charset="0"/>
-              </a:rPr>
-              <a:t>Music plays a crucial role in relaxation, meditation, and spiritual well-being. However, finding the right </a:t>
-            </a:r>
-            <a:r>
-              <a:rPr lang="en-US" sz="1400" b="1" dirty="0">
-                <a:latin typeface="Roboto" panose="02000000000000000000" pitchFamily="2" charset="0"/>
-                <a:ea typeface="Roboto" panose="02000000000000000000" pitchFamily="2" charset="0"/>
-                <a:cs typeface="Roboto" panose="02000000000000000000" pitchFamily="2" charset="0"/>
-              </a:rPr>
-              <a:t>Yoga, Relaxation, and Devotional music</a:t>
-            </a:r>
-            <a:r>
-              <a:rPr lang="en-US" sz="1400" dirty="0">
-                <a:latin typeface="Roboto" panose="02000000000000000000" pitchFamily="2" charset="0"/>
-                <a:ea typeface="Roboto" panose="02000000000000000000" pitchFamily="2" charset="0"/>
-                <a:cs typeface="Roboto" panose="02000000000000000000" pitchFamily="2" charset="0"/>
-              </a:rPr>
-              <a:t> can be challenging without a proper recommendation system.</a:t>
-            </a:r>
-          </a:p>
-          <a:p>
-            <a:pPr algn="just"/>
-            <a:endParaRPr lang="en-US" sz="1400" dirty="0">
-              <a:latin typeface="Roboto" panose="02000000000000000000" pitchFamily="2" charset="0"/>
-              <a:ea typeface="Roboto" panose="02000000000000000000" pitchFamily="2" charset="0"/>
-              <a:cs typeface="Roboto" panose="02000000000000000000" pitchFamily="2" charset="0"/>
+            <a:pPr marL="285750" marR="0" lvl="0" indent="-285750" algn="l" defTabSz="914400" rtl="0" eaLnBrk="0" fontAlgn="base" latinLnBrk="0" hangingPunct="0">
+              <a:spcBef>
+                <a:spcPct val="0"/>
+              </a:spcBef>
+              <a:spcAft>
+                <a:spcPct val="0"/>
+              </a:spcAft>
+              <a:buClrTx/>
+              <a:buSzTx/>
+              <a:buFont typeface="Wingdings" panose="05000000000000000000" pitchFamily="2" charset="2"/>
+              <a:buChar char="q"/>
+              <a:tabLst/>
+            </a:pPr>
+            <a:r>
+              <a:rPr kumimoji="0" lang="en-US" altLang="en-US" b="1" i="0" u="none" strike="noStrike" cap="none" normalizeH="0" baseline="0" dirty="0">
+                <a:ln>
+                  <a:noFill/>
+                </a:ln>
+                <a:solidFill>
+                  <a:schemeClr val="tx1"/>
+                </a:solidFill>
+                <a:effectLst/>
+                <a:latin typeface="Times New Roman" panose="02020603050405020304" pitchFamily="18" charset="0"/>
+                <a:cs typeface="Times New Roman" panose="02020603050405020304" pitchFamily="18" charset="0"/>
+              </a:rPr>
+              <a:t>Source</a:t>
+            </a:r>
+            <a:r>
+              <a:rPr kumimoji="0" lang="en-US" altLang="en-US" b="0" i="0" u="none" strike="noStrike" cap="none" normalizeH="0" baseline="0" dirty="0">
+                <a:ln>
+                  <a:noFill/>
+                </a:ln>
+                <a:solidFill>
+                  <a:schemeClr val="tx1"/>
+                </a:solidFill>
+                <a:effectLst/>
+                <a:latin typeface="Times New Roman" panose="02020603050405020304" pitchFamily="18" charset="0"/>
+                <a:cs typeface="Times New Roman" panose="02020603050405020304" pitchFamily="18" charset="0"/>
+              </a:rPr>
+              <a:t>: Spotify dataset (data.csv) loaded via </a:t>
+            </a:r>
+            <a:r>
+              <a:rPr kumimoji="0" lang="en-US" altLang="en-US" b="1" i="0" u="none" strike="noStrike" cap="none" normalizeH="0" baseline="0" dirty="0" err="1">
+                <a:ln>
+                  <a:noFill/>
+                </a:ln>
+                <a:solidFill>
+                  <a:schemeClr val="tx1"/>
+                </a:solidFill>
+                <a:effectLst/>
+                <a:latin typeface="Times New Roman" panose="02020603050405020304" pitchFamily="18" charset="0"/>
+                <a:cs typeface="Times New Roman" panose="02020603050405020304" pitchFamily="18" charset="0"/>
+              </a:rPr>
+              <a:t>pd.read_csv</a:t>
+            </a:r>
+            <a:r>
+              <a:rPr kumimoji="0" lang="en-US" altLang="en-US" b="1" i="0" u="none" strike="noStrike" cap="none" normalizeH="0" baseline="0" dirty="0">
+                <a:ln>
+                  <a:noFill/>
+                </a:ln>
+                <a:solidFill>
+                  <a:schemeClr val="tx1"/>
+                </a:solidFill>
+                <a:effectLst/>
+                <a:latin typeface="Times New Roman" panose="02020603050405020304" pitchFamily="18" charset="0"/>
+                <a:cs typeface="Times New Roman" panose="02020603050405020304" pitchFamily="18" charset="0"/>
+              </a:rPr>
+              <a:t>().</a:t>
+            </a:r>
+          </a:p>
+          <a:p>
+            <a:pPr marL="285750" marR="0" lvl="0" indent="-285750" algn="l" defTabSz="914400" rtl="0" eaLnBrk="0" fontAlgn="base" latinLnBrk="0" hangingPunct="0">
+              <a:spcBef>
+                <a:spcPct val="0"/>
+              </a:spcBef>
+              <a:spcAft>
+                <a:spcPct val="0"/>
+              </a:spcAft>
+              <a:buClrTx/>
+              <a:buSzTx/>
+              <a:buFont typeface="Wingdings" panose="05000000000000000000" pitchFamily="2" charset="2"/>
+              <a:buChar char="q"/>
+              <a:tabLst/>
+            </a:pPr>
+            <a:r>
+              <a:rPr kumimoji="0" lang="en-US" altLang="en-US" b="1" i="0" u="none" strike="noStrike" cap="none" normalizeH="0" baseline="0" dirty="0">
+                <a:ln>
+                  <a:noFill/>
+                </a:ln>
+                <a:solidFill>
+                  <a:schemeClr val="tx1"/>
+                </a:solidFill>
+                <a:effectLst/>
+                <a:latin typeface="Times New Roman" panose="02020603050405020304" pitchFamily="18" charset="0"/>
+                <a:cs typeface="Times New Roman" panose="02020603050405020304" pitchFamily="18" charset="0"/>
+              </a:rPr>
+              <a:t>Size</a:t>
+            </a:r>
+            <a:r>
+              <a:rPr kumimoji="0" lang="en-US" altLang="en-US" b="0" i="0" u="none" strike="noStrike" cap="none" normalizeH="0" baseline="0" dirty="0">
+                <a:ln>
+                  <a:noFill/>
+                </a:ln>
+                <a:solidFill>
+                  <a:schemeClr val="tx1"/>
+                </a:solidFill>
+                <a:effectLst/>
+                <a:latin typeface="Times New Roman" panose="02020603050405020304" pitchFamily="18" charset="0"/>
+                <a:cs typeface="Times New Roman" panose="02020603050405020304" pitchFamily="18" charset="0"/>
+              </a:rPr>
+              <a:t>: 170,653 songs, 19 features (Cell 4: </a:t>
+            </a:r>
+            <a:r>
+              <a:rPr kumimoji="0" lang="en-US" altLang="en-US" b="0" i="0" u="none" strike="noStrike" cap="none" normalizeH="0" baseline="0" dirty="0" err="1">
+                <a:ln>
+                  <a:noFill/>
+                </a:ln>
+                <a:solidFill>
+                  <a:schemeClr val="tx1"/>
+                </a:solidFill>
+                <a:effectLst/>
+                <a:latin typeface="Times New Roman" panose="02020603050405020304" pitchFamily="18" charset="0"/>
+                <a:cs typeface="Times New Roman" panose="02020603050405020304" pitchFamily="18" charset="0"/>
+              </a:rPr>
+              <a:t>df.shape</a:t>
+            </a:r>
+            <a:r>
+              <a:rPr kumimoji="0" lang="en-US" altLang="en-US" b="0" i="0" u="none" strike="noStrike" cap="none" normalizeH="0" baseline="0" dirty="0">
+                <a:ln>
+                  <a:noFill/>
+                </a:ln>
+                <a:solidFill>
+                  <a:schemeClr val="tx1"/>
+                </a:solidFill>
+                <a:effectLst/>
+                <a:latin typeface="Times New Roman" panose="02020603050405020304" pitchFamily="18" charset="0"/>
+                <a:cs typeface="Times New Roman" panose="02020603050405020304" pitchFamily="18" charset="0"/>
+              </a:rPr>
+              <a:t>).</a:t>
+            </a:r>
+          </a:p>
+          <a:p>
+            <a:pPr marL="285750" marR="0" lvl="0" indent="-285750" algn="l" defTabSz="914400" rtl="0" eaLnBrk="0" fontAlgn="base" latinLnBrk="0" hangingPunct="0">
+              <a:spcBef>
+                <a:spcPct val="0"/>
+              </a:spcBef>
+              <a:spcAft>
+                <a:spcPct val="0"/>
+              </a:spcAft>
+              <a:buClrTx/>
+              <a:buSzTx/>
+              <a:buFont typeface="Wingdings" panose="05000000000000000000" pitchFamily="2" charset="2"/>
+              <a:buChar char="q"/>
+              <a:tabLst/>
+            </a:pPr>
+            <a:r>
+              <a:rPr kumimoji="0" lang="en-US" altLang="en-US" b="1" i="0" u="none" strike="noStrike" cap="none" normalizeH="0" baseline="0" dirty="0">
+                <a:ln>
+                  <a:noFill/>
+                </a:ln>
+                <a:solidFill>
+                  <a:schemeClr val="tx1"/>
+                </a:solidFill>
+                <a:effectLst/>
+                <a:latin typeface="Times New Roman" panose="02020603050405020304" pitchFamily="18" charset="0"/>
+                <a:cs typeface="Times New Roman" panose="02020603050405020304" pitchFamily="18" charset="0"/>
+              </a:rPr>
+              <a:t>Key Features</a:t>
+            </a:r>
+            <a:r>
+              <a:rPr kumimoji="0" lang="en-US" altLang="en-US" b="0" i="0" u="none" strike="noStrike" cap="none" normalizeH="0" baseline="0" dirty="0">
+                <a:ln>
+                  <a:noFill/>
+                </a:ln>
+                <a:solidFill>
+                  <a:schemeClr val="tx1"/>
+                </a:solidFill>
+                <a:effectLst/>
+                <a:latin typeface="Times New Roman" panose="02020603050405020304" pitchFamily="18" charset="0"/>
+                <a:cs typeface="Times New Roman" panose="02020603050405020304" pitchFamily="18" charset="0"/>
+              </a:rPr>
+              <a:t>: </a:t>
+            </a:r>
+          </a:p>
+          <a:p>
+            <a:pPr marL="285750" lvl="8" indent="-285750" algn="l" rtl="0" eaLnBrk="0" fontAlgn="base" hangingPunct="0">
+              <a:spcBef>
+                <a:spcPct val="0"/>
+              </a:spcBef>
+              <a:spcAft>
+                <a:spcPct val="0"/>
+              </a:spcAft>
+              <a:buFont typeface="Wingdings" panose="05000000000000000000" pitchFamily="2" charset="2"/>
+              <a:buChar char="Ø"/>
+            </a:pPr>
+            <a:r>
+              <a:rPr kumimoji="0" lang="en-US" altLang="en-US" b="1" i="0" u="none" strike="noStrike" cap="none" normalizeH="0" baseline="0" dirty="0">
+                <a:ln>
+                  <a:noFill/>
+                </a:ln>
+                <a:solidFill>
+                  <a:schemeClr val="tx1"/>
+                </a:solidFill>
+                <a:effectLst/>
+                <a:latin typeface="Times New Roman" panose="02020603050405020304" pitchFamily="18" charset="0"/>
+                <a:cs typeface="Times New Roman" panose="02020603050405020304" pitchFamily="18" charset="0"/>
+              </a:rPr>
+              <a:t>Danceability, Valence, Energy, Tempo, Loudness</a:t>
+            </a:r>
+            <a:endParaRPr kumimoji="0" lang="en-US" altLang="en-US" b="0" i="0" u="none" strike="noStrike" cap="none" normalizeH="0" baseline="0" dirty="0">
+              <a:ln>
+                <a:noFill/>
+              </a:ln>
+              <a:solidFill>
+                <a:schemeClr val="tx1"/>
+              </a:solidFill>
+              <a:effectLst/>
+              <a:latin typeface="Times New Roman" panose="02020603050405020304" pitchFamily="18" charset="0"/>
+              <a:cs typeface="Times New Roman" panose="02020603050405020304" pitchFamily="18" charset="0"/>
             </a:endParaRPr>
-          </a:p>
-          <a:p>
-            <a:pPr algn="just"/>
-            <a:r>
-              <a:rPr lang="en-US" sz="1400" dirty="0">
-                <a:latin typeface="Roboto" panose="02000000000000000000" pitchFamily="2" charset="0"/>
-                <a:ea typeface="Roboto" panose="02000000000000000000" pitchFamily="2" charset="0"/>
-                <a:cs typeface="Roboto" panose="02000000000000000000" pitchFamily="2" charset="0"/>
-              </a:rPr>
-              <a:t>Since the client lacks user listening history, traditional collaborative filtering methods cannot be used. Instead, a </a:t>
-            </a:r>
-            <a:r>
-              <a:rPr lang="en-US" sz="1400" b="1" dirty="0">
-                <a:latin typeface="Roboto" panose="02000000000000000000" pitchFamily="2" charset="0"/>
-                <a:ea typeface="Roboto" panose="02000000000000000000" pitchFamily="2" charset="0"/>
-                <a:cs typeface="Roboto" panose="02000000000000000000" pitchFamily="2" charset="0"/>
-              </a:rPr>
-              <a:t>content-based filtering approach</a:t>
-            </a:r>
-            <a:r>
-              <a:rPr lang="en-US" sz="1400" dirty="0">
-                <a:latin typeface="Roboto" panose="02000000000000000000" pitchFamily="2" charset="0"/>
-                <a:ea typeface="Roboto" panose="02000000000000000000" pitchFamily="2" charset="0"/>
-                <a:cs typeface="Roboto" panose="02000000000000000000" pitchFamily="2" charset="0"/>
-              </a:rPr>
-              <a:t> is necessary to recommend songs based on their intrinsic features.</a:t>
-            </a:r>
-          </a:p>
-          <a:p>
-            <a:pPr algn="just"/>
-            <a:endParaRPr lang="en-US" sz="1400" dirty="0">
-              <a:latin typeface="Roboto" panose="02000000000000000000" pitchFamily="2" charset="0"/>
-              <a:ea typeface="Roboto" panose="02000000000000000000" pitchFamily="2" charset="0"/>
-              <a:cs typeface="Roboto" panose="02000000000000000000" pitchFamily="2" charset="0"/>
-            </a:endParaRPr>
-          </a:p>
-          <a:p>
-            <a:pPr algn="just"/>
-            <a:r>
-              <a:rPr lang="en-US" sz="1400" dirty="0">
-                <a:latin typeface="Roboto" panose="02000000000000000000" pitchFamily="2" charset="0"/>
-                <a:ea typeface="Roboto" panose="02000000000000000000" pitchFamily="2" charset="0"/>
-                <a:cs typeface="Roboto" panose="02000000000000000000" pitchFamily="2" charset="0"/>
-              </a:rPr>
-              <a:t>The challenge lies in accurately predicting songs that align with user preferences, ensuring a </a:t>
-            </a:r>
-            <a:r>
-              <a:rPr lang="en-US" sz="1400" b="1" dirty="0">
-                <a:latin typeface="Roboto" panose="02000000000000000000" pitchFamily="2" charset="0"/>
-                <a:ea typeface="Roboto" panose="02000000000000000000" pitchFamily="2" charset="0"/>
-                <a:cs typeface="Roboto" panose="02000000000000000000" pitchFamily="2" charset="0"/>
-              </a:rPr>
-              <a:t>personalized and mood-enhancing experience</a:t>
-            </a:r>
-            <a:r>
-              <a:rPr lang="en-US" sz="1400" dirty="0">
-                <a:latin typeface="Roboto" panose="02000000000000000000" pitchFamily="2" charset="0"/>
-                <a:ea typeface="Roboto" panose="02000000000000000000" pitchFamily="2" charset="0"/>
-                <a:cs typeface="Roboto" panose="02000000000000000000" pitchFamily="2" charset="0"/>
-              </a:rPr>
-              <a:t> while maintaining </a:t>
-            </a:r>
-            <a:r>
-              <a:rPr lang="en-US" sz="1400" b="1" dirty="0">
-                <a:latin typeface="Roboto" panose="02000000000000000000" pitchFamily="2" charset="0"/>
-                <a:ea typeface="Roboto" panose="02000000000000000000" pitchFamily="2" charset="0"/>
-                <a:cs typeface="Roboto" panose="02000000000000000000" pitchFamily="2" charset="0"/>
-              </a:rPr>
-              <a:t>relevance and diversity</a:t>
-            </a:r>
-            <a:r>
-              <a:rPr lang="en-US" sz="1400" dirty="0">
-                <a:latin typeface="Roboto" panose="02000000000000000000" pitchFamily="2" charset="0"/>
-                <a:ea typeface="Roboto" panose="02000000000000000000" pitchFamily="2" charset="0"/>
-                <a:cs typeface="Roboto" panose="02000000000000000000" pitchFamily="2" charset="0"/>
-              </a:rPr>
-              <a:t> in recommendations.</a:t>
-            </a:r>
           </a:p>
         </p:txBody>
       </p:sp>
       <p:pic>
         <p:nvPicPr>
-          <p:cNvPr id="6" name="Picture 5">
+          <p:cNvPr id="9" name="Picture 8">
             <a:extLst>
               <a:ext uri="{FF2B5EF4-FFF2-40B4-BE49-F238E27FC236}">
-                <a16:creationId xmlns:a16="http://schemas.microsoft.com/office/drawing/2014/main" id="{F593854E-5EC3-99AD-54A5-B4AFA4498F9D}"/>
+                <a16:creationId xmlns:a16="http://schemas.microsoft.com/office/drawing/2014/main" id="{6556B2DF-CD8E-EE3A-CF79-0C0AAD95A81D}"/>
               </a:ext>
             </a:extLst>
           </p:cNvPr>
@@ -2793,7 +3009,7 @@
           <p:nvPr/>
         </p:nvPicPr>
         <p:blipFill>
-          <a:blip r:embed="rId2" cstate="print">
+          <a:blip r:embed="rId2">
             <a:extLst>
               <a:ext uri="{28A0092B-C50C-407E-A947-70E740481C1C}">
                 <a14:useLocalDpi xmlns:a14="http://schemas.microsoft.com/office/drawing/2010/main" val="0"/>
@@ -2806,8 +3022,8 @@
         </p:blipFill>
         <p:spPr>
           <a:xfrm>
-            <a:off x="5428036" y="1404958"/>
-            <a:ext cx="3111444" cy="2333583"/>
+            <a:off x="381000" y="1809750"/>
+            <a:ext cx="8382000" cy="2972796"/>
           </a:xfrm>
           <a:prstGeom prst="rect">
             <a:avLst/>
@@ -2851,808 +3067,6 @@
         </p:nvSpPr>
         <p:spPr>
           <a:xfrm>
-            <a:off x="304800" y="514350"/>
-            <a:ext cx="2496185" cy="391160"/>
-          </a:xfrm>
-          <a:prstGeom prst="rect">
-            <a:avLst/>
-          </a:prstGeom>
-        </p:spPr>
-        <p:txBody>
-          <a:bodyPr vert="horz" wrap="square" lIns="0" tIns="12700" rIns="0" bIns="0" rtlCol="0">
-            <a:spAutoFit/>
-          </a:bodyPr>
-          <a:lstStyle/>
-          <a:p>
-            <a:pPr marL="12700">
-              <a:lnSpc>
-                <a:spcPct val="100000"/>
-              </a:lnSpc>
-              <a:spcBef>
-                <a:spcPts val="100"/>
-              </a:spcBef>
-            </a:pPr>
-            <a:r>
-              <a:rPr spc="-114" dirty="0"/>
-              <a:t>Discussion</a:t>
-            </a:r>
-            <a:r>
-              <a:rPr spc="-220" dirty="0"/>
-              <a:t> </a:t>
-            </a:r>
-            <a:r>
-              <a:rPr spc="-50" dirty="0"/>
-              <a:t>Topics</a:t>
-            </a:r>
-          </a:p>
-        </p:txBody>
-      </p:sp>
-      <p:sp>
-        <p:nvSpPr>
-          <p:cNvPr id="3" name="object 3"/>
-          <p:cNvSpPr txBox="1"/>
-          <p:nvPr/>
-        </p:nvSpPr>
-        <p:spPr>
-          <a:xfrm>
-            <a:off x="295507" y="1164954"/>
-            <a:ext cx="8525107" cy="2813591"/>
-          </a:xfrm>
-          <a:prstGeom prst="rect">
-            <a:avLst/>
-          </a:prstGeom>
-        </p:spPr>
-        <p:txBody>
-          <a:bodyPr vert="horz" wrap="square" lIns="0" tIns="12700" rIns="0" bIns="0" rtlCol="0">
-            <a:spAutoFit/>
-          </a:bodyPr>
-          <a:lstStyle/>
-          <a:p>
-            <a:pPr algn="just"/>
-            <a:r>
-              <a:rPr lang="en-IN" sz="1400" dirty="0">
-                <a:latin typeface="Roboto" panose="02000000000000000000" pitchFamily="2" charset="0"/>
-                <a:ea typeface="Roboto" panose="02000000000000000000" pitchFamily="2" charset="0"/>
-                <a:cs typeface="Roboto" panose="02000000000000000000" pitchFamily="2" charset="0"/>
-              </a:rPr>
-              <a:t>✔ </a:t>
-            </a:r>
-            <a:r>
-              <a:rPr lang="en-IN" sz="1400" b="1" dirty="0">
-                <a:latin typeface="Roboto" panose="02000000000000000000" pitchFamily="2" charset="0"/>
-                <a:ea typeface="Roboto" panose="02000000000000000000" pitchFamily="2" charset="0"/>
-                <a:cs typeface="Roboto" panose="02000000000000000000" pitchFamily="2" charset="0"/>
-              </a:rPr>
-              <a:t>Music Preferences &amp; User Moods</a:t>
-            </a:r>
-            <a:r>
-              <a:rPr lang="en-IN" sz="1400" dirty="0">
-                <a:latin typeface="Roboto" panose="02000000000000000000" pitchFamily="2" charset="0"/>
-                <a:ea typeface="Roboto" panose="02000000000000000000" pitchFamily="2" charset="0"/>
-                <a:cs typeface="Roboto" panose="02000000000000000000" pitchFamily="2" charset="0"/>
-              </a:rPr>
-              <a:t> – How song recommendations change based on mood and activity.</a:t>
-            </a:r>
-          </a:p>
-          <a:p>
-            <a:pPr algn="just"/>
-            <a:endParaRPr lang="en-IN" sz="1400" dirty="0">
-              <a:latin typeface="Roboto" panose="02000000000000000000" pitchFamily="2" charset="0"/>
-              <a:ea typeface="Roboto" panose="02000000000000000000" pitchFamily="2" charset="0"/>
-              <a:cs typeface="Roboto" panose="02000000000000000000" pitchFamily="2" charset="0"/>
-            </a:endParaRPr>
-          </a:p>
-          <a:p>
-            <a:pPr algn="just"/>
-            <a:r>
-              <a:rPr lang="en-IN" sz="1400" dirty="0">
-                <a:latin typeface="Roboto" panose="02000000000000000000" pitchFamily="2" charset="0"/>
-                <a:ea typeface="Roboto" panose="02000000000000000000" pitchFamily="2" charset="0"/>
-                <a:cs typeface="Roboto" panose="02000000000000000000" pitchFamily="2" charset="0"/>
-              </a:rPr>
-              <a:t>✔ </a:t>
-            </a:r>
-            <a:r>
-              <a:rPr lang="en-IN" sz="1400" b="1" dirty="0">
-                <a:latin typeface="Roboto" panose="02000000000000000000" pitchFamily="2" charset="0"/>
-                <a:ea typeface="Roboto" panose="02000000000000000000" pitchFamily="2" charset="0"/>
-                <a:cs typeface="Roboto" panose="02000000000000000000" pitchFamily="2" charset="0"/>
-              </a:rPr>
-              <a:t>Popularity vs. Audio Features</a:t>
-            </a:r>
-            <a:r>
-              <a:rPr lang="en-IN" sz="1400" dirty="0">
-                <a:latin typeface="Roboto" panose="02000000000000000000" pitchFamily="2" charset="0"/>
-                <a:ea typeface="Roboto" panose="02000000000000000000" pitchFamily="2" charset="0"/>
-                <a:cs typeface="Roboto" panose="02000000000000000000" pitchFamily="2" charset="0"/>
-              </a:rPr>
-              <a:t> – Analysing </a:t>
-            </a:r>
-            <a:r>
-              <a:rPr lang="en-IN" sz="1400" b="1" dirty="0">
-                <a:latin typeface="Roboto" panose="02000000000000000000" pitchFamily="2" charset="0"/>
-                <a:ea typeface="Roboto" panose="02000000000000000000" pitchFamily="2" charset="0"/>
-                <a:cs typeface="Roboto" panose="02000000000000000000" pitchFamily="2" charset="0"/>
-              </a:rPr>
-              <a:t>danceability, energy, and </a:t>
-            </a:r>
-            <a:r>
-              <a:rPr lang="en-IN" sz="1400" b="1" dirty="0" err="1">
-                <a:latin typeface="Roboto" panose="02000000000000000000" pitchFamily="2" charset="0"/>
-                <a:ea typeface="Roboto" panose="02000000000000000000" pitchFamily="2" charset="0"/>
-                <a:cs typeface="Roboto" panose="02000000000000000000" pitchFamily="2" charset="0"/>
-              </a:rPr>
-              <a:t>acousticness</a:t>
-            </a:r>
-            <a:r>
-              <a:rPr lang="en-IN" sz="1400" dirty="0">
-                <a:latin typeface="Roboto" panose="02000000000000000000" pitchFamily="2" charset="0"/>
-                <a:ea typeface="Roboto" panose="02000000000000000000" pitchFamily="2" charset="0"/>
-                <a:cs typeface="Roboto" panose="02000000000000000000" pitchFamily="2" charset="0"/>
-              </a:rPr>
-              <a:t>.</a:t>
-            </a:r>
-          </a:p>
-          <a:p>
-            <a:pPr algn="just"/>
-            <a:endParaRPr lang="en-IN" sz="1400" dirty="0">
-              <a:latin typeface="Roboto" panose="02000000000000000000" pitchFamily="2" charset="0"/>
-              <a:ea typeface="Roboto" panose="02000000000000000000" pitchFamily="2" charset="0"/>
-              <a:cs typeface="Roboto" panose="02000000000000000000" pitchFamily="2" charset="0"/>
-            </a:endParaRPr>
-          </a:p>
-          <a:p>
-            <a:pPr algn="just"/>
-            <a:r>
-              <a:rPr lang="en-IN" sz="1400" dirty="0">
-                <a:latin typeface="Roboto" panose="02000000000000000000" pitchFamily="2" charset="0"/>
-                <a:ea typeface="Roboto" panose="02000000000000000000" pitchFamily="2" charset="0"/>
-                <a:cs typeface="Roboto" panose="02000000000000000000" pitchFamily="2" charset="0"/>
-              </a:rPr>
-              <a:t>✔ </a:t>
-            </a:r>
-            <a:r>
-              <a:rPr lang="en-IN" sz="1400" b="1" dirty="0">
-                <a:latin typeface="Roboto" panose="02000000000000000000" pitchFamily="2" charset="0"/>
-                <a:ea typeface="Roboto" panose="02000000000000000000" pitchFamily="2" charset="0"/>
-                <a:cs typeface="Roboto" panose="02000000000000000000" pitchFamily="2" charset="0"/>
-              </a:rPr>
-              <a:t>Correlation Analysis</a:t>
-            </a:r>
-            <a:r>
-              <a:rPr lang="en-IN" sz="1400" dirty="0">
-                <a:latin typeface="Roboto" panose="02000000000000000000" pitchFamily="2" charset="0"/>
-                <a:ea typeface="Roboto" panose="02000000000000000000" pitchFamily="2" charset="0"/>
-                <a:cs typeface="Roboto" panose="02000000000000000000" pitchFamily="2" charset="0"/>
-              </a:rPr>
-              <a:t> – Checking relationships between </a:t>
-            </a:r>
-            <a:r>
-              <a:rPr lang="en-IN" sz="1400" b="1" dirty="0">
-                <a:latin typeface="Roboto" panose="02000000000000000000" pitchFamily="2" charset="0"/>
-                <a:ea typeface="Roboto" panose="02000000000000000000" pitchFamily="2" charset="0"/>
-                <a:cs typeface="Roboto" panose="02000000000000000000" pitchFamily="2" charset="0"/>
-              </a:rPr>
-              <a:t>tempo, loudness, and user engagement</a:t>
-            </a:r>
-            <a:r>
-              <a:rPr lang="en-IN" sz="1400" dirty="0">
-                <a:latin typeface="Roboto" panose="02000000000000000000" pitchFamily="2" charset="0"/>
-                <a:ea typeface="Roboto" panose="02000000000000000000" pitchFamily="2" charset="0"/>
-                <a:cs typeface="Roboto" panose="02000000000000000000" pitchFamily="2" charset="0"/>
-              </a:rPr>
-              <a:t>.</a:t>
-            </a:r>
-          </a:p>
-          <a:p>
-            <a:pPr algn="just"/>
-            <a:endParaRPr lang="en-IN" sz="1400" dirty="0">
-              <a:latin typeface="Roboto" panose="02000000000000000000" pitchFamily="2" charset="0"/>
-              <a:ea typeface="Roboto" panose="02000000000000000000" pitchFamily="2" charset="0"/>
-              <a:cs typeface="Roboto" panose="02000000000000000000" pitchFamily="2" charset="0"/>
-            </a:endParaRPr>
-          </a:p>
-          <a:p>
-            <a:pPr algn="just"/>
-            <a:r>
-              <a:rPr lang="en-IN" sz="1400" dirty="0">
-                <a:latin typeface="Roboto" panose="02000000000000000000" pitchFamily="2" charset="0"/>
-                <a:ea typeface="Roboto" panose="02000000000000000000" pitchFamily="2" charset="0"/>
-                <a:cs typeface="Roboto" panose="02000000000000000000" pitchFamily="2" charset="0"/>
-              </a:rPr>
-              <a:t>✔ </a:t>
-            </a:r>
-            <a:r>
-              <a:rPr lang="en-IN" sz="1400" b="1" dirty="0">
-                <a:latin typeface="Roboto" panose="02000000000000000000" pitchFamily="2" charset="0"/>
-                <a:ea typeface="Roboto" panose="02000000000000000000" pitchFamily="2" charset="0"/>
-                <a:cs typeface="Roboto" panose="02000000000000000000" pitchFamily="2" charset="0"/>
-              </a:rPr>
-              <a:t>Genre &amp; Mood Impact</a:t>
-            </a:r>
-            <a:r>
-              <a:rPr lang="en-IN" sz="1400" dirty="0">
-                <a:latin typeface="Roboto" panose="02000000000000000000" pitchFamily="2" charset="0"/>
-                <a:ea typeface="Roboto" panose="02000000000000000000" pitchFamily="2" charset="0"/>
-                <a:cs typeface="Roboto" panose="02000000000000000000" pitchFamily="2" charset="0"/>
-              </a:rPr>
-              <a:t> – Influence of different genres on listening behaviour.</a:t>
-            </a:r>
-          </a:p>
-          <a:p>
-            <a:pPr algn="just"/>
-            <a:endParaRPr lang="en-IN" sz="1400" dirty="0">
-              <a:latin typeface="Roboto" panose="02000000000000000000" pitchFamily="2" charset="0"/>
-              <a:ea typeface="Roboto" panose="02000000000000000000" pitchFamily="2" charset="0"/>
-              <a:cs typeface="Roboto" panose="02000000000000000000" pitchFamily="2" charset="0"/>
-            </a:endParaRPr>
-          </a:p>
-          <a:p>
-            <a:pPr algn="just"/>
-            <a:r>
-              <a:rPr lang="en-IN" sz="1400" dirty="0">
-                <a:latin typeface="Roboto" panose="02000000000000000000" pitchFamily="2" charset="0"/>
-                <a:ea typeface="Roboto" panose="02000000000000000000" pitchFamily="2" charset="0"/>
-                <a:cs typeface="Roboto" panose="02000000000000000000" pitchFamily="2" charset="0"/>
-              </a:rPr>
-              <a:t>✔ </a:t>
-            </a:r>
-            <a:r>
-              <a:rPr lang="en-IN" sz="1400" b="1" dirty="0">
-                <a:latin typeface="Roboto" panose="02000000000000000000" pitchFamily="2" charset="0"/>
-                <a:ea typeface="Roboto" panose="02000000000000000000" pitchFamily="2" charset="0"/>
-                <a:cs typeface="Roboto" panose="02000000000000000000" pitchFamily="2" charset="0"/>
-              </a:rPr>
-              <a:t>Heatmap &amp; Feature Importance</a:t>
-            </a:r>
-            <a:r>
-              <a:rPr lang="en-IN" sz="1400" dirty="0">
-                <a:latin typeface="Roboto" panose="02000000000000000000" pitchFamily="2" charset="0"/>
-                <a:ea typeface="Roboto" panose="02000000000000000000" pitchFamily="2" charset="0"/>
-                <a:cs typeface="Roboto" panose="02000000000000000000" pitchFamily="2" charset="0"/>
-              </a:rPr>
-              <a:t> – Identifying key attributes for recommendations.</a:t>
-            </a:r>
-          </a:p>
-          <a:p>
-            <a:pPr algn="just"/>
-            <a:endParaRPr lang="en-IN" sz="1400" dirty="0">
-              <a:latin typeface="Roboto" panose="02000000000000000000" pitchFamily="2" charset="0"/>
-              <a:ea typeface="Roboto" panose="02000000000000000000" pitchFamily="2" charset="0"/>
-              <a:cs typeface="Roboto" panose="02000000000000000000" pitchFamily="2" charset="0"/>
-            </a:endParaRPr>
-          </a:p>
-          <a:p>
-            <a:pPr algn="just"/>
-            <a:r>
-              <a:rPr lang="en-IN" sz="1400" dirty="0">
-                <a:latin typeface="Roboto" panose="02000000000000000000" pitchFamily="2" charset="0"/>
-                <a:ea typeface="Roboto" panose="02000000000000000000" pitchFamily="2" charset="0"/>
-                <a:cs typeface="Roboto" panose="02000000000000000000" pitchFamily="2" charset="0"/>
-              </a:rPr>
-              <a:t>✔ </a:t>
-            </a:r>
-            <a:r>
-              <a:rPr lang="en-IN" sz="1400" b="1" dirty="0">
-                <a:latin typeface="Roboto" panose="02000000000000000000" pitchFamily="2" charset="0"/>
-                <a:ea typeface="Roboto" panose="02000000000000000000" pitchFamily="2" charset="0"/>
-                <a:cs typeface="Roboto" panose="02000000000000000000" pitchFamily="2" charset="0"/>
-              </a:rPr>
-              <a:t>ML Models for Recommendation</a:t>
-            </a:r>
-            <a:r>
-              <a:rPr lang="en-IN" sz="1400" dirty="0">
-                <a:latin typeface="Roboto" panose="02000000000000000000" pitchFamily="2" charset="0"/>
-                <a:ea typeface="Roboto" panose="02000000000000000000" pitchFamily="2" charset="0"/>
-                <a:cs typeface="Roboto" panose="02000000000000000000" pitchFamily="2" charset="0"/>
-              </a:rPr>
-              <a:t> – Collaborative Filtering, Content-Based, and Hybrid approaches.</a:t>
-            </a:r>
-          </a:p>
-          <a:p>
-            <a:pPr algn="just"/>
-            <a:endParaRPr lang="en-IN" sz="1400" dirty="0">
-              <a:latin typeface="Roboto" panose="02000000000000000000" pitchFamily="2" charset="0"/>
-              <a:ea typeface="Roboto" panose="02000000000000000000" pitchFamily="2" charset="0"/>
-              <a:cs typeface="Roboto" panose="02000000000000000000" pitchFamily="2" charset="0"/>
-            </a:endParaRPr>
-          </a:p>
-          <a:p>
-            <a:pPr algn="just"/>
-            <a:r>
-              <a:rPr lang="en-IN" sz="1400" dirty="0">
-                <a:latin typeface="Roboto" panose="02000000000000000000" pitchFamily="2" charset="0"/>
-                <a:ea typeface="Roboto" panose="02000000000000000000" pitchFamily="2" charset="0"/>
-                <a:cs typeface="Roboto" panose="02000000000000000000" pitchFamily="2" charset="0"/>
-              </a:rPr>
-              <a:t>✔ </a:t>
-            </a:r>
-            <a:r>
-              <a:rPr lang="en-IN" sz="1400" b="1" dirty="0">
-                <a:latin typeface="Roboto" panose="02000000000000000000" pitchFamily="2" charset="0"/>
-                <a:ea typeface="Roboto" panose="02000000000000000000" pitchFamily="2" charset="0"/>
-                <a:cs typeface="Roboto" panose="02000000000000000000" pitchFamily="2" charset="0"/>
-              </a:rPr>
-              <a:t>Hyperparameter Tuning</a:t>
-            </a:r>
-            <a:r>
-              <a:rPr lang="en-IN" sz="1400" dirty="0">
-                <a:latin typeface="Roboto" panose="02000000000000000000" pitchFamily="2" charset="0"/>
-                <a:ea typeface="Roboto" panose="02000000000000000000" pitchFamily="2" charset="0"/>
-                <a:cs typeface="Roboto" panose="02000000000000000000" pitchFamily="2" charset="0"/>
-              </a:rPr>
-              <a:t> – Optimizing models with Grid Search CV &amp; Random Search CV.</a:t>
-            </a:r>
-          </a:p>
-        </p:txBody>
-      </p:sp>
-    </p:spTree>
-  </p:cSld>
-  <p:clrMapOvr>
-    <a:masterClrMapping/>
-  </p:clrMapOvr>
-</p:sld>
-</file>
-
-<file path=ppt/slides/slide6.xml><?xml version="1.0" encoding="utf-8"?>
-<p:sld xmlns:a="http://schemas.openxmlformats.org/drawingml/2006/main" xmlns:r="http://schemas.openxmlformats.org/officeDocument/2006/relationships" xmlns:p="http://schemas.openxmlformats.org/presentationml/2006/main">
-  <p:cSld>
-    <p:spTree>
-      <p:nvGrpSpPr>
-        <p:cNvPr id="1" name=""/>
-        <p:cNvGrpSpPr/>
-        <p:nvPr/>
-      </p:nvGrpSpPr>
-      <p:grpSpPr>
-        <a:xfrm>
-          <a:off x="0" y="0"/>
-          <a:ext cx="0" cy="0"/>
-          <a:chOff x="0" y="0"/>
-          <a:chExt cx="0" cy="0"/>
-        </a:xfrm>
-      </p:grpSpPr>
-      <p:sp>
-        <p:nvSpPr>
-          <p:cNvPr id="2" name="object 2"/>
-          <p:cNvSpPr txBox="1">
-            <a:spLocks noGrp="1"/>
-          </p:cNvSpPr>
-          <p:nvPr>
-            <p:ph type="title"/>
-          </p:nvPr>
-        </p:nvSpPr>
-        <p:spPr>
-          <a:xfrm>
-            <a:off x="193039" y="494633"/>
-            <a:ext cx="2860675" cy="391160"/>
-          </a:xfrm>
-          <a:prstGeom prst="rect">
-            <a:avLst/>
-          </a:prstGeom>
-        </p:spPr>
-        <p:txBody>
-          <a:bodyPr vert="horz" wrap="square" lIns="0" tIns="12700" rIns="0" bIns="0" rtlCol="0">
-            <a:spAutoFit/>
-          </a:bodyPr>
-          <a:lstStyle/>
-          <a:p>
-            <a:pPr marL="12700">
-              <a:lnSpc>
-                <a:spcPct val="100000"/>
-              </a:lnSpc>
-              <a:spcBef>
-                <a:spcPts val="100"/>
-              </a:spcBef>
-            </a:pPr>
-            <a:r>
-              <a:rPr dirty="0"/>
-              <a:t>Data</a:t>
-            </a:r>
-            <a:r>
-              <a:rPr spc="-70" dirty="0"/>
-              <a:t> </a:t>
-            </a:r>
-            <a:r>
-              <a:rPr spc="-125" dirty="0"/>
-              <a:t>Analysis</a:t>
-            </a:r>
-            <a:r>
-              <a:rPr spc="-105" dirty="0"/>
-              <a:t> </a:t>
-            </a:r>
-            <a:r>
-              <a:rPr spc="-95" dirty="0"/>
-              <a:t>Steps</a:t>
-            </a:r>
-          </a:p>
-        </p:txBody>
-      </p:sp>
-      <p:sp>
-        <p:nvSpPr>
-          <p:cNvPr id="3" name="object 3"/>
-          <p:cNvSpPr txBox="1"/>
-          <p:nvPr/>
-        </p:nvSpPr>
-        <p:spPr>
-          <a:xfrm>
-            <a:off x="193039" y="1209929"/>
-            <a:ext cx="8646161" cy="3056606"/>
-          </a:xfrm>
-          <a:prstGeom prst="rect">
-            <a:avLst/>
-          </a:prstGeom>
-        </p:spPr>
-        <p:txBody>
-          <a:bodyPr vert="horz" wrap="square" lIns="0" tIns="40005" rIns="0" bIns="0" rtlCol="0">
-            <a:spAutoFit/>
-          </a:bodyPr>
-          <a:lstStyle/>
-          <a:p>
-            <a:pPr algn="just"/>
-            <a:r>
-              <a:rPr lang="en-IN" sz="1400" dirty="0">
-                <a:latin typeface="Roboto" panose="02000000000000000000" pitchFamily="2" charset="0"/>
-                <a:ea typeface="Roboto" panose="02000000000000000000" pitchFamily="2" charset="0"/>
-                <a:cs typeface="Roboto" panose="02000000000000000000" pitchFamily="2" charset="0"/>
-              </a:rPr>
-              <a:t>✔ </a:t>
-            </a:r>
-            <a:r>
-              <a:rPr lang="en-IN" sz="1400" b="1" u="sng" dirty="0">
-                <a:latin typeface="Roboto" panose="02000000000000000000" pitchFamily="2" charset="0"/>
-                <a:ea typeface="Roboto" panose="02000000000000000000" pitchFamily="2" charset="0"/>
-                <a:cs typeface="Roboto" panose="02000000000000000000" pitchFamily="2" charset="0"/>
-              </a:rPr>
-              <a:t>Imported Libraries</a:t>
-            </a:r>
-            <a:r>
-              <a:rPr lang="en-IN" sz="1400" u="sng" dirty="0">
-                <a:latin typeface="Roboto" panose="02000000000000000000" pitchFamily="2" charset="0"/>
-                <a:ea typeface="Roboto" panose="02000000000000000000" pitchFamily="2" charset="0"/>
-                <a:cs typeface="Roboto" panose="02000000000000000000" pitchFamily="2" charset="0"/>
-              </a:rPr>
-              <a:t> </a:t>
-            </a:r>
-            <a:r>
-              <a:rPr lang="en-IN" sz="1400" dirty="0">
-                <a:latin typeface="Roboto" panose="02000000000000000000" pitchFamily="2" charset="0"/>
-                <a:ea typeface="Roboto" panose="02000000000000000000" pitchFamily="2" charset="0"/>
-                <a:cs typeface="Roboto" panose="02000000000000000000" pitchFamily="2" charset="0"/>
-              </a:rPr>
-              <a:t>– Used </a:t>
-            </a:r>
-            <a:r>
-              <a:rPr lang="en-IN" sz="1400" b="1" dirty="0">
-                <a:latin typeface="Roboto" panose="02000000000000000000" pitchFamily="2" charset="0"/>
-                <a:ea typeface="Roboto" panose="02000000000000000000" pitchFamily="2" charset="0"/>
-                <a:cs typeface="Roboto" panose="02000000000000000000" pitchFamily="2" charset="0"/>
-              </a:rPr>
-              <a:t>Pandas, NumPy</a:t>
-            </a:r>
-            <a:r>
-              <a:rPr lang="en-IN" sz="1400" dirty="0">
-                <a:latin typeface="Roboto" panose="02000000000000000000" pitchFamily="2" charset="0"/>
-                <a:ea typeface="Roboto" panose="02000000000000000000" pitchFamily="2" charset="0"/>
-                <a:cs typeface="Roboto" panose="02000000000000000000" pitchFamily="2" charset="0"/>
-              </a:rPr>
-              <a:t> for data processing and </a:t>
-            </a:r>
-            <a:r>
-              <a:rPr lang="en-IN" sz="1400" b="1" dirty="0">
-                <a:latin typeface="Roboto" panose="02000000000000000000" pitchFamily="2" charset="0"/>
-                <a:ea typeface="Roboto" panose="02000000000000000000" pitchFamily="2" charset="0"/>
-                <a:cs typeface="Roboto" panose="02000000000000000000" pitchFamily="2" charset="0"/>
-              </a:rPr>
-              <a:t>Seaborn, Matplotlib</a:t>
-            </a:r>
-            <a:r>
-              <a:rPr lang="en-IN" sz="1400" dirty="0">
-                <a:latin typeface="Roboto" panose="02000000000000000000" pitchFamily="2" charset="0"/>
-                <a:ea typeface="Roboto" panose="02000000000000000000" pitchFamily="2" charset="0"/>
-                <a:cs typeface="Roboto" panose="02000000000000000000" pitchFamily="2" charset="0"/>
-              </a:rPr>
-              <a:t> for visualization. </a:t>
-            </a:r>
-            <a:r>
-              <a:rPr lang="en-IN" sz="1400" b="1" dirty="0">
-                <a:latin typeface="Roboto" panose="02000000000000000000" pitchFamily="2" charset="0"/>
-                <a:ea typeface="Roboto" panose="02000000000000000000" pitchFamily="2" charset="0"/>
-                <a:cs typeface="Roboto" panose="02000000000000000000" pitchFamily="2" charset="0"/>
-              </a:rPr>
-              <a:t>Scikit-learn</a:t>
-            </a:r>
-            <a:r>
-              <a:rPr lang="en-IN" sz="1400" dirty="0">
-                <a:latin typeface="Roboto" panose="02000000000000000000" pitchFamily="2" charset="0"/>
-                <a:ea typeface="Roboto" panose="02000000000000000000" pitchFamily="2" charset="0"/>
-                <a:cs typeface="Roboto" panose="02000000000000000000" pitchFamily="2" charset="0"/>
-              </a:rPr>
-              <a:t> used for building the recommendation model.</a:t>
-            </a:r>
-          </a:p>
-          <a:p>
-            <a:pPr algn="just"/>
-            <a:endParaRPr lang="en-IN" sz="1400" dirty="0">
-              <a:latin typeface="Roboto" panose="02000000000000000000" pitchFamily="2" charset="0"/>
-              <a:ea typeface="Roboto" panose="02000000000000000000" pitchFamily="2" charset="0"/>
-              <a:cs typeface="Roboto" panose="02000000000000000000" pitchFamily="2" charset="0"/>
-            </a:endParaRPr>
-          </a:p>
-          <a:p>
-            <a:pPr algn="just"/>
-            <a:r>
-              <a:rPr lang="en-IN" sz="1400" dirty="0">
-                <a:latin typeface="Roboto" panose="02000000000000000000" pitchFamily="2" charset="0"/>
-                <a:ea typeface="Roboto" panose="02000000000000000000" pitchFamily="2" charset="0"/>
-                <a:cs typeface="Roboto" panose="02000000000000000000" pitchFamily="2" charset="0"/>
-              </a:rPr>
-              <a:t>✔ </a:t>
-            </a:r>
-            <a:r>
-              <a:rPr lang="en-IN" sz="1400" b="1" u="sng" dirty="0">
-                <a:latin typeface="Roboto" panose="02000000000000000000" pitchFamily="2" charset="0"/>
-                <a:ea typeface="Roboto" panose="02000000000000000000" pitchFamily="2" charset="0"/>
-                <a:cs typeface="Roboto" panose="02000000000000000000" pitchFamily="2" charset="0"/>
-              </a:rPr>
-              <a:t>Descriptive Statistics</a:t>
-            </a:r>
-            <a:r>
-              <a:rPr lang="en-IN" sz="1400" u="sng" dirty="0">
-                <a:latin typeface="Roboto" panose="02000000000000000000" pitchFamily="2" charset="0"/>
-                <a:ea typeface="Roboto" panose="02000000000000000000" pitchFamily="2" charset="0"/>
-                <a:cs typeface="Roboto" panose="02000000000000000000" pitchFamily="2" charset="0"/>
-              </a:rPr>
-              <a:t> </a:t>
-            </a:r>
-            <a:r>
-              <a:rPr lang="en-IN" sz="1400" dirty="0">
-                <a:latin typeface="Roboto" panose="02000000000000000000" pitchFamily="2" charset="0"/>
-                <a:ea typeface="Roboto" panose="02000000000000000000" pitchFamily="2" charset="0"/>
-                <a:cs typeface="Roboto" panose="02000000000000000000" pitchFamily="2" charset="0"/>
-              </a:rPr>
-              <a:t>– Analysed attributes like </a:t>
-            </a:r>
-            <a:r>
-              <a:rPr lang="en-IN" sz="1400" b="1" dirty="0">
-                <a:latin typeface="Roboto" panose="02000000000000000000" pitchFamily="2" charset="0"/>
-                <a:ea typeface="Roboto" panose="02000000000000000000" pitchFamily="2" charset="0"/>
-                <a:cs typeface="Roboto" panose="02000000000000000000" pitchFamily="2" charset="0"/>
-              </a:rPr>
-              <a:t>tempo, loudness, energy, valence</a:t>
-            </a:r>
-            <a:r>
-              <a:rPr lang="en-IN" sz="1400" dirty="0">
-                <a:latin typeface="Roboto" panose="02000000000000000000" pitchFamily="2" charset="0"/>
-                <a:ea typeface="Roboto" panose="02000000000000000000" pitchFamily="2" charset="0"/>
-                <a:cs typeface="Roboto" panose="02000000000000000000" pitchFamily="2" charset="0"/>
-              </a:rPr>
-              <a:t> to understand their influence on recommendations.</a:t>
-            </a:r>
-          </a:p>
-          <a:p>
-            <a:pPr algn="just"/>
-            <a:endParaRPr lang="en-IN" sz="1400" dirty="0">
-              <a:latin typeface="Roboto" panose="02000000000000000000" pitchFamily="2" charset="0"/>
-              <a:ea typeface="Roboto" panose="02000000000000000000" pitchFamily="2" charset="0"/>
-              <a:cs typeface="Roboto" panose="02000000000000000000" pitchFamily="2" charset="0"/>
-            </a:endParaRPr>
-          </a:p>
-          <a:p>
-            <a:pPr algn="just"/>
-            <a:r>
-              <a:rPr lang="en-IN" sz="1400" dirty="0">
-                <a:latin typeface="Roboto" panose="02000000000000000000" pitchFamily="2" charset="0"/>
-                <a:ea typeface="Roboto" panose="02000000000000000000" pitchFamily="2" charset="0"/>
-                <a:cs typeface="Roboto" panose="02000000000000000000" pitchFamily="2" charset="0"/>
-              </a:rPr>
-              <a:t>✔ </a:t>
-            </a:r>
-            <a:r>
-              <a:rPr lang="en-IN" sz="1400" b="1" u="sng" dirty="0">
-                <a:latin typeface="Roboto" panose="02000000000000000000" pitchFamily="2" charset="0"/>
-                <a:ea typeface="Roboto" panose="02000000000000000000" pitchFamily="2" charset="0"/>
-                <a:cs typeface="Roboto" panose="02000000000000000000" pitchFamily="2" charset="0"/>
-              </a:rPr>
-              <a:t>Missing Value Imputation</a:t>
-            </a:r>
-            <a:r>
-              <a:rPr lang="en-IN" sz="1400" u="sng" dirty="0">
-                <a:latin typeface="Roboto" panose="02000000000000000000" pitchFamily="2" charset="0"/>
-                <a:ea typeface="Roboto" panose="02000000000000000000" pitchFamily="2" charset="0"/>
-                <a:cs typeface="Roboto" panose="02000000000000000000" pitchFamily="2" charset="0"/>
-              </a:rPr>
-              <a:t> </a:t>
-            </a:r>
-            <a:r>
-              <a:rPr lang="en-IN" sz="1400" dirty="0">
-                <a:latin typeface="Roboto" panose="02000000000000000000" pitchFamily="2" charset="0"/>
-                <a:ea typeface="Roboto" panose="02000000000000000000" pitchFamily="2" charset="0"/>
-                <a:cs typeface="Roboto" panose="02000000000000000000" pitchFamily="2" charset="0"/>
-              </a:rPr>
-              <a:t>– Checked for missing values and handled them through </a:t>
-            </a:r>
-            <a:r>
-              <a:rPr lang="en-IN" sz="1400" b="1" dirty="0">
-                <a:latin typeface="Roboto" panose="02000000000000000000" pitchFamily="2" charset="0"/>
-                <a:ea typeface="Roboto" panose="02000000000000000000" pitchFamily="2" charset="0"/>
-                <a:cs typeface="Roboto" panose="02000000000000000000" pitchFamily="2" charset="0"/>
-              </a:rPr>
-              <a:t>imputation and normalization</a:t>
-            </a:r>
-            <a:r>
-              <a:rPr lang="en-IN" sz="1400" dirty="0">
-                <a:latin typeface="Roboto" panose="02000000000000000000" pitchFamily="2" charset="0"/>
-                <a:ea typeface="Roboto" panose="02000000000000000000" pitchFamily="2" charset="0"/>
-                <a:cs typeface="Roboto" panose="02000000000000000000" pitchFamily="2" charset="0"/>
-              </a:rPr>
-              <a:t>.</a:t>
-            </a:r>
-          </a:p>
-          <a:p>
-            <a:pPr algn="just"/>
-            <a:endParaRPr lang="en-IN" sz="1400" dirty="0">
-              <a:latin typeface="Roboto" panose="02000000000000000000" pitchFamily="2" charset="0"/>
-              <a:ea typeface="Roboto" panose="02000000000000000000" pitchFamily="2" charset="0"/>
-              <a:cs typeface="Roboto" panose="02000000000000000000" pitchFamily="2" charset="0"/>
-            </a:endParaRPr>
-          </a:p>
-          <a:p>
-            <a:pPr algn="just"/>
-            <a:r>
-              <a:rPr lang="en-IN" sz="1400" dirty="0">
-                <a:latin typeface="Roboto" panose="02000000000000000000" pitchFamily="2" charset="0"/>
-                <a:ea typeface="Roboto" panose="02000000000000000000" pitchFamily="2" charset="0"/>
-                <a:cs typeface="Roboto" panose="02000000000000000000" pitchFamily="2" charset="0"/>
-              </a:rPr>
-              <a:t>✔ </a:t>
-            </a:r>
-            <a:r>
-              <a:rPr lang="en-IN" sz="1400" b="1" u="sng" dirty="0">
-                <a:latin typeface="Roboto" panose="02000000000000000000" pitchFamily="2" charset="0"/>
-                <a:ea typeface="Roboto" panose="02000000000000000000" pitchFamily="2" charset="0"/>
-                <a:cs typeface="Roboto" panose="02000000000000000000" pitchFamily="2" charset="0"/>
-              </a:rPr>
-              <a:t>Graphical Representation</a:t>
-            </a:r>
-            <a:r>
-              <a:rPr lang="en-IN" sz="1400" u="sng" dirty="0">
-                <a:latin typeface="Roboto" panose="02000000000000000000" pitchFamily="2" charset="0"/>
-                <a:ea typeface="Roboto" panose="02000000000000000000" pitchFamily="2" charset="0"/>
-                <a:cs typeface="Roboto" panose="02000000000000000000" pitchFamily="2" charset="0"/>
-              </a:rPr>
-              <a:t> </a:t>
-            </a:r>
-            <a:r>
-              <a:rPr lang="en-IN" sz="1400" dirty="0">
-                <a:latin typeface="Roboto" panose="02000000000000000000" pitchFamily="2" charset="0"/>
-                <a:ea typeface="Roboto" panose="02000000000000000000" pitchFamily="2" charset="0"/>
-                <a:cs typeface="Roboto" panose="02000000000000000000" pitchFamily="2" charset="0"/>
-              </a:rPr>
-              <a:t>– Conducted </a:t>
-            </a:r>
-            <a:r>
-              <a:rPr lang="en-IN" sz="1400" b="1" dirty="0">
-                <a:latin typeface="Roboto" panose="02000000000000000000" pitchFamily="2" charset="0"/>
-                <a:ea typeface="Roboto" panose="02000000000000000000" pitchFamily="2" charset="0"/>
-                <a:cs typeface="Roboto" panose="02000000000000000000" pitchFamily="2" charset="0"/>
-              </a:rPr>
-              <a:t>Exploratory Data Analysis (EDA)</a:t>
-            </a:r>
-            <a:r>
-              <a:rPr lang="en-IN" sz="1400" dirty="0">
-                <a:latin typeface="Roboto" panose="02000000000000000000" pitchFamily="2" charset="0"/>
-                <a:ea typeface="Roboto" panose="02000000000000000000" pitchFamily="2" charset="0"/>
-                <a:cs typeface="Roboto" panose="02000000000000000000" pitchFamily="2" charset="0"/>
-              </a:rPr>
-              <a:t> to examine trends in </a:t>
-            </a:r>
-            <a:r>
-              <a:rPr lang="en-IN" sz="1400" b="1" dirty="0">
-                <a:latin typeface="Roboto" panose="02000000000000000000" pitchFamily="2" charset="0"/>
-                <a:ea typeface="Roboto" panose="02000000000000000000" pitchFamily="2" charset="0"/>
-                <a:cs typeface="Roboto" panose="02000000000000000000" pitchFamily="2" charset="0"/>
-              </a:rPr>
-              <a:t>popularity, mood-based segmentation, and track attributes</a:t>
-            </a:r>
-            <a:r>
-              <a:rPr lang="en-IN" sz="1400" dirty="0">
-                <a:latin typeface="Roboto" panose="02000000000000000000" pitchFamily="2" charset="0"/>
-                <a:ea typeface="Roboto" panose="02000000000000000000" pitchFamily="2" charset="0"/>
-                <a:cs typeface="Roboto" panose="02000000000000000000" pitchFamily="2" charset="0"/>
-              </a:rPr>
-              <a:t>.</a:t>
-            </a:r>
-          </a:p>
-          <a:p>
-            <a:pPr algn="just"/>
-            <a:endParaRPr lang="en-IN" sz="1400" dirty="0">
-              <a:latin typeface="Roboto" panose="02000000000000000000" pitchFamily="2" charset="0"/>
-              <a:ea typeface="Roboto" panose="02000000000000000000" pitchFamily="2" charset="0"/>
-              <a:cs typeface="Roboto" panose="02000000000000000000" pitchFamily="2" charset="0"/>
-            </a:endParaRPr>
-          </a:p>
-          <a:p>
-            <a:pPr algn="just"/>
-            <a:r>
-              <a:rPr lang="en-IN" sz="1400" dirty="0">
-                <a:latin typeface="Roboto" panose="02000000000000000000" pitchFamily="2" charset="0"/>
-                <a:ea typeface="Roboto" panose="02000000000000000000" pitchFamily="2" charset="0"/>
-                <a:cs typeface="Roboto" panose="02000000000000000000" pitchFamily="2" charset="0"/>
-              </a:rPr>
-              <a:t>✔ </a:t>
-            </a:r>
-            <a:r>
-              <a:rPr lang="en-IN" sz="1400" b="1" u="sng" dirty="0" err="1">
-                <a:latin typeface="Roboto" panose="02000000000000000000" pitchFamily="2" charset="0"/>
-                <a:ea typeface="Roboto" panose="02000000000000000000" pitchFamily="2" charset="0"/>
-                <a:cs typeface="Roboto" panose="02000000000000000000" pitchFamily="2" charset="0"/>
-              </a:rPr>
-              <a:t>Modeling</a:t>
-            </a:r>
-            <a:r>
-              <a:rPr lang="en-IN" sz="1400" dirty="0">
-                <a:latin typeface="Roboto" panose="02000000000000000000" pitchFamily="2" charset="0"/>
-                <a:ea typeface="Roboto" panose="02000000000000000000" pitchFamily="2" charset="0"/>
-                <a:cs typeface="Roboto" panose="02000000000000000000" pitchFamily="2" charset="0"/>
-              </a:rPr>
-              <a:t> – Implemented </a:t>
-            </a:r>
-            <a:r>
-              <a:rPr lang="en-IN" sz="1400" b="1" dirty="0">
-                <a:latin typeface="Roboto" panose="02000000000000000000" pitchFamily="2" charset="0"/>
-                <a:ea typeface="Roboto" panose="02000000000000000000" pitchFamily="2" charset="0"/>
-                <a:cs typeface="Roboto" panose="02000000000000000000" pitchFamily="2" charset="0"/>
-              </a:rPr>
-              <a:t>Content-Based Filtering, KNN, and Hybrid Models</a:t>
-            </a:r>
-            <a:r>
-              <a:rPr lang="en-IN" sz="1400" dirty="0">
-                <a:latin typeface="Roboto" panose="02000000000000000000" pitchFamily="2" charset="0"/>
-                <a:ea typeface="Roboto" panose="02000000000000000000" pitchFamily="2" charset="0"/>
-                <a:cs typeface="Roboto" panose="02000000000000000000" pitchFamily="2" charset="0"/>
-              </a:rPr>
-              <a:t> to enhance recommendation accuracy.</a:t>
-            </a:r>
-          </a:p>
-        </p:txBody>
-      </p:sp>
-    </p:spTree>
-  </p:cSld>
-  <p:clrMapOvr>
-    <a:masterClrMapping/>
-  </p:clrMapOvr>
-</p:sld>
-</file>
-
-<file path=ppt/slides/slide7.xml><?xml version="1.0" encoding="utf-8"?>
-<p:sld xmlns:a="http://schemas.openxmlformats.org/drawingml/2006/main" xmlns:r="http://schemas.openxmlformats.org/officeDocument/2006/relationships" xmlns:p="http://schemas.openxmlformats.org/presentationml/2006/main">
-  <p:cSld>
-    <p:spTree>
-      <p:nvGrpSpPr>
-        <p:cNvPr id="1" name=""/>
-        <p:cNvGrpSpPr/>
-        <p:nvPr/>
-      </p:nvGrpSpPr>
-      <p:grpSpPr>
-        <a:xfrm>
-          <a:off x="0" y="0"/>
-          <a:ext cx="0" cy="0"/>
-          <a:chOff x="0" y="0"/>
-          <a:chExt cx="0" cy="0"/>
-        </a:xfrm>
-      </p:grpSpPr>
-      <p:sp>
-        <p:nvSpPr>
-          <p:cNvPr id="2" name="object 2"/>
-          <p:cNvSpPr txBox="1">
-            <a:spLocks noGrp="1"/>
-          </p:cNvSpPr>
-          <p:nvPr>
-            <p:ph type="title"/>
-          </p:nvPr>
-        </p:nvSpPr>
-        <p:spPr>
-          <a:xfrm>
             <a:off x="228600" y="-46419"/>
             <a:ext cx="4267200" cy="636969"/>
           </a:xfrm>
@@ -3778,19 +3192,19 @@
               <a:tabLst/>
             </a:pPr>
             <a:r>
-              <a:rPr kumimoji="0" lang="en-US" altLang="en-US" sz="1600" b="1" i="0" u="none" strike="noStrike" cap="none" normalizeH="0" baseline="0" dirty="0" err="1">
-                <a:ln>
-                  <a:noFill/>
-                </a:ln>
-                <a:solidFill>
-                  <a:srgbClr val="FF0000"/>
-                </a:solidFill>
-                <a:effectLst/>
-                <a:latin typeface="Roboto" panose="02000000000000000000" pitchFamily="2" charset="0"/>
-                <a:ea typeface="Roboto" panose="02000000000000000000" pitchFamily="2" charset="0"/>
-                <a:cs typeface="Roboto" panose="02000000000000000000" pitchFamily="2" charset="0"/>
-              </a:rPr>
-              <a:t>track_name</a:t>
+              <a:rPr kumimoji="0" lang="en-US" altLang="en-US" sz="1600" b="1" i="0" u="none" strike="noStrike" cap="none" normalizeH="0" baseline="0" dirty="0">
+                <a:ln>
+                  <a:noFill/>
+                </a:ln>
+                <a:solidFill>
+                  <a:schemeClr val="tx1"/>
+                </a:solidFill>
+                <a:effectLst/>
+                <a:latin typeface="Roboto" panose="02000000000000000000" pitchFamily="2" charset="0"/>
+                <a:ea typeface="Roboto" panose="02000000000000000000" pitchFamily="2" charset="0"/>
+                <a:cs typeface="Roboto" panose="02000000000000000000" pitchFamily="2" charset="0"/>
+              </a:rPr>
+              <a:t>name</a:t>
             </a:r>
             <a:r>
               <a:rPr kumimoji="0" lang="en-US" altLang="en-US" sz="1600" b="0" i="0" u="none" strike="noStrike" cap="none" normalizeH="0" baseline="0" dirty="0">
@@ -3846,7 +3260,7 @@
                   <a:noFill/>
                 </a:ln>
                 <a:solidFill>
-                  <a:srgbClr val="FF0000"/>
+                  <a:schemeClr val="tx1"/>
                 </a:solidFill>
                 <a:effectLst/>
                 <a:latin typeface="Roboto" panose="02000000000000000000" pitchFamily="2" charset="0"/>
@@ -3942,7 +3356,7 @@
                   <a:noFill/>
                 </a:ln>
                 <a:solidFill>
-                  <a:srgbClr val="FF0000"/>
+                  <a:schemeClr val="tx1"/>
                 </a:solidFill>
                 <a:effectLst/>
                 <a:latin typeface="Roboto" panose="02000000000000000000" pitchFamily="2" charset="0"/>
@@ -4259,7 +3673,7 @@
                   <a:noFill/>
                 </a:ln>
                 <a:solidFill>
-                  <a:srgbClr val="FF0000"/>
+                  <a:schemeClr val="tx1"/>
                 </a:solidFill>
                 <a:effectLst/>
                 <a:latin typeface="Roboto" panose="02000000000000000000" pitchFamily="2" charset="0"/>
@@ -4403,7 +3817,7 @@
                   <a:noFill/>
                 </a:ln>
                 <a:solidFill>
-                  <a:srgbClr val="FF0000"/>
+                  <a:schemeClr val="tx1"/>
                 </a:solidFill>
                 <a:effectLst/>
                 <a:latin typeface="Roboto" panose="02000000000000000000" pitchFamily="2" charset="0"/>
@@ -4451,7 +3865,7 @@
                   <a:noFill/>
                 </a:ln>
                 <a:solidFill>
-                  <a:srgbClr val="FF0000"/>
+                  <a:schemeClr val="tx1"/>
                 </a:solidFill>
                 <a:effectLst/>
                 <a:latin typeface="Roboto" panose="02000000000000000000" pitchFamily="2" charset="0"/>
@@ -4466,29 +3880,14 @@
                   <a:noFill/>
                 </a:ln>
                 <a:solidFill>
-                  <a:srgbClr val="FF0000"/>
-                </a:solidFill>
-                <a:effectLst/>
-                <a:latin typeface="Roboto" panose="02000000000000000000" pitchFamily="2" charset="0"/>
-                <a:ea typeface="Roboto" panose="02000000000000000000" pitchFamily="2" charset="0"/>
-                <a:cs typeface="Roboto" panose="02000000000000000000" pitchFamily="2" charset="0"/>
-              </a:rPr>
-              <a:t> </a:t>
-            </a:r>
-            <a:r>
-              <a:rPr kumimoji="0" lang="en-US" altLang="en-US" sz="1600" b="0" i="0" u="none" strike="noStrike" cap="none" normalizeH="0" baseline="0" dirty="0">
-                <a:ln>
-                  <a:noFill/>
-                </a:ln>
-                <a:solidFill>
-                  <a:schemeClr val="tx1"/>
-                </a:solidFill>
-                <a:effectLst/>
-                <a:latin typeface="Roboto" panose="02000000000000000000" pitchFamily="2" charset="0"/>
-                <a:ea typeface="Roboto" panose="02000000000000000000" pitchFamily="2" charset="0"/>
-                <a:cs typeface="Roboto" panose="02000000000000000000" pitchFamily="2" charset="0"/>
-              </a:rPr>
-              <a:t>– Genre of the song </a:t>
+                  <a:schemeClr val="tx1"/>
+                </a:solidFill>
+                <a:effectLst/>
+                <a:latin typeface="Roboto" panose="02000000000000000000" pitchFamily="2" charset="0"/>
+                <a:ea typeface="Roboto" panose="02000000000000000000" pitchFamily="2" charset="0"/>
+                <a:cs typeface="Roboto" panose="02000000000000000000" pitchFamily="2" charset="0"/>
+              </a:rPr>
+              <a:t> – Genre of the song </a:t>
             </a:r>
           </a:p>
         </p:txBody>
@@ -4537,6 +3936,1106 @@
         </p:style>
       </p:cxnSp>
     </p:spTree>
+  </p:cSld>
+  <p:clrMapOvr>
+    <a:masterClrMapping/>
+  </p:clrMapOvr>
+</p:sld>
+</file>
+
+<file path=ppt/slides/slide6.xml><?xml version="1.0" encoding="utf-8"?>
+<p:sld xmlns:a="http://schemas.openxmlformats.org/drawingml/2006/main" xmlns:r="http://schemas.openxmlformats.org/officeDocument/2006/relationships" xmlns:p="http://schemas.openxmlformats.org/presentationml/2006/main">
+  <p:cSld>
+    <p:spTree>
+      <p:nvGrpSpPr>
+        <p:cNvPr id="1" name=""/>
+        <p:cNvGrpSpPr/>
+        <p:nvPr/>
+      </p:nvGrpSpPr>
+      <p:grpSpPr>
+        <a:xfrm>
+          <a:off x="0" y="0"/>
+          <a:ext cx="0" cy="0"/>
+          <a:chOff x="0" y="0"/>
+          <a:chExt cx="0" cy="0"/>
+        </a:xfrm>
+      </p:grpSpPr>
+      <p:sp>
+        <p:nvSpPr>
+          <p:cNvPr id="2" name="object 2"/>
+          <p:cNvSpPr txBox="1">
+            <a:spLocks noGrp="1"/>
+          </p:cNvSpPr>
+          <p:nvPr>
+            <p:ph type="title"/>
+          </p:nvPr>
+        </p:nvSpPr>
+        <p:spPr>
+          <a:xfrm>
+            <a:off x="304800" y="514350"/>
+            <a:ext cx="3352800" cy="382156"/>
+          </a:xfrm>
+          <a:prstGeom prst="rect">
+            <a:avLst/>
+          </a:prstGeom>
+        </p:spPr>
+        <p:txBody>
+          <a:bodyPr vert="horz" wrap="square" lIns="0" tIns="12700" rIns="0" bIns="0" rtlCol="0">
+            <a:spAutoFit/>
+          </a:bodyPr>
+          <a:lstStyle/>
+          <a:p>
+            <a:r>
+              <a:rPr lang="en-IN" dirty="0"/>
+              <a:t>Data Preprocessing</a:t>
+            </a:r>
+          </a:p>
+        </p:txBody>
+      </p:sp>
+      <p:sp>
+        <p:nvSpPr>
+          <p:cNvPr id="3" name="object 3"/>
+          <p:cNvSpPr txBox="1"/>
+          <p:nvPr/>
+        </p:nvSpPr>
+        <p:spPr>
+          <a:xfrm>
+            <a:off x="304800" y="971550"/>
+            <a:ext cx="8525107" cy="2184572"/>
+          </a:xfrm>
+          <a:prstGeom prst="rect">
+            <a:avLst/>
+          </a:prstGeom>
+        </p:spPr>
+        <p:txBody>
+          <a:bodyPr vert="horz" wrap="square" lIns="0" tIns="12700" rIns="0" bIns="0" rtlCol="0">
+            <a:spAutoFit/>
+          </a:bodyPr>
+          <a:lstStyle/>
+          <a:p>
+            <a:pPr marL="285750" marR="0" lvl="0" indent="-285750" algn="l" defTabSz="914400" rtl="0" eaLnBrk="0" fontAlgn="base" latinLnBrk="0" hangingPunct="0">
+              <a:lnSpc>
+                <a:spcPct val="150000"/>
+              </a:lnSpc>
+              <a:spcBef>
+                <a:spcPct val="0"/>
+              </a:spcBef>
+              <a:spcAft>
+                <a:spcPct val="0"/>
+              </a:spcAft>
+              <a:buClrTx/>
+              <a:buSzTx/>
+              <a:buFont typeface="Wingdings" panose="05000000000000000000" pitchFamily="2" charset="2"/>
+              <a:buChar char="q"/>
+              <a:tabLst/>
+            </a:pPr>
+            <a:r>
+              <a:rPr kumimoji="0" lang="en-US" altLang="en-US" sz="1600" b="1" i="0" u="none" strike="noStrike" cap="none" normalizeH="0" baseline="0" dirty="0">
+                <a:ln>
+                  <a:noFill/>
+                </a:ln>
+                <a:solidFill>
+                  <a:schemeClr val="tx1"/>
+                </a:solidFill>
+                <a:effectLst/>
+                <a:latin typeface="Times New Roman" panose="02020603050405020304" pitchFamily="18" charset="0"/>
+                <a:cs typeface="Times New Roman" panose="02020603050405020304" pitchFamily="18" charset="0"/>
+              </a:rPr>
+              <a:t>Handling Missing Values</a:t>
+            </a:r>
+            <a:r>
+              <a:rPr kumimoji="0" lang="en-US" altLang="en-US" sz="1600" b="0" i="0" u="none" strike="noStrike" cap="none" normalizeH="0" baseline="0" dirty="0">
+                <a:ln>
+                  <a:noFill/>
+                </a:ln>
+                <a:solidFill>
+                  <a:schemeClr val="tx1"/>
+                </a:solidFill>
+                <a:effectLst/>
+                <a:latin typeface="Times New Roman" panose="02020603050405020304" pitchFamily="18" charset="0"/>
+                <a:cs typeface="Times New Roman" panose="02020603050405020304" pitchFamily="18" charset="0"/>
+              </a:rPr>
+              <a:t>: No null values (Cell 5: df.info() shows 170,653 non-null entries). </a:t>
+            </a:r>
+          </a:p>
+          <a:p>
+            <a:pPr marL="285750" marR="0" lvl="0" indent="-285750" algn="l" defTabSz="914400" rtl="0" eaLnBrk="0" fontAlgn="base" latinLnBrk="0" hangingPunct="0">
+              <a:lnSpc>
+                <a:spcPct val="150000"/>
+              </a:lnSpc>
+              <a:spcBef>
+                <a:spcPct val="0"/>
+              </a:spcBef>
+              <a:spcAft>
+                <a:spcPct val="0"/>
+              </a:spcAft>
+              <a:buClrTx/>
+              <a:buSzTx/>
+              <a:buFont typeface="Wingdings" panose="05000000000000000000" pitchFamily="2" charset="2"/>
+              <a:buChar char="q"/>
+              <a:tabLst/>
+            </a:pPr>
+            <a:r>
+              <a:rPr kumimoji="0" lang="en-US" altLang="en-US" sz="1600" b="1" i="0" u="none" strike="noStrike" cap="none" normalizeH="0" baseline="0" dirty="0">
+                <a:ln>
+                  <a:noFill/>
+                </a:ln>
+                <a:solidFill>
+                  <a:schemeClr val="tx1"/>
+                </a:solidFill>
+                <a:effectLst/>
+                <a:latin typeface="Times New Roman" panose="02020603050405020304" pitchFamily="18" charset="0"/>
+                <a:cs typeface="Times New Roman" panose="02020603050405020304" pitchFamily="18" charset="0"/>
+              </a:rPr>
+              <a:t>Standardization</a:t>
+            </a:r>
+            <a:r>
+              <a:rPr kumimoji="0" lang="en-US" altLang="en-US" sz="1600" b="0" i="0" u="none" strike="noStrike" cap="none" normalizeH="0" baseline="0" dirty="0">
+                <a:ln>
+                  <a:noFill/>
+                </a:ln>
+                <a:solidFill>
+                  <a:schemeClr val="tx1"/>
+                </a:solidFill>
+                <a:effectLst/>
+                <a:latin typeface="Times New Roman" panose="02020603050405020304" pitchFamily="18" charset="0"/>
+                <a:cs typeface="Times New Roman" panose="02020603050405020304" pitchFamily="18" charset="0"/>
+              </a:rPr>
+              <a:t>: </a:t>
+            </a:r>
+            <a:r>
+              <a:rPr kumimoji="0" lang="en-US" altLang="en-US" sz="1600" b="1" i="0" u="none" strike="noStrike" cap="none" normalizeH="0" baseline="0" dirty="0" err="1">
+                <a:ln>
+                  <a:noFill/>
+                </a:ln>
+                <a:solidFill>
+                  <a:schemeClr val="tx1"/>
+                </a:solidFill>
+                <a:effectLst/>
+                <a:latin typeface="Times New Roman" panose="02020603050405020304" pitchFamily="18" charset="0"/>
+                <a:cs typeface="Times New Roman" panose="02020603050405020304" pitchFamily="18" charset="0"/>
+              </a:rPr>
+              <a:t>StandardScaler</a:t>
+            </a:r>
+            <a:r>
+              <a:rPr kumimoji="0" lang="en-US" altLang="en-US" sz="1600" b="0" i="0" u="none" strike="noStrike" cap="none" normalizeH="0" baseline="0" dirty="0">
+                <a:ln>
+                  <a:noFill/>
+                </a:ln>
+                <a:solidFill>
+                  <a:schemeClr val="tx1"/>
+                </a:solidFill>
+                <a:effectLst/>
+                <a:latin typeface="Times New Roman" panose="02020603050405020304" pitchFamily="18" charset="0"/>
+                <a:cs typeface="Times New Roman" panose="02020603050405020304" pitchFamily="18" charset="0"/>
+              </a:rPr>
+              <a:t> applied to numerical features (Cell 8: </a:t>
+            </a:r>
+            <a:r>
+              <a:rPr kumimoji="0" lang="en-US" altLang="en-US" sz="1600" b="0" i="0" u="none" strike="noStrike" cap="none" normalizeH="0" baseline="0" dirty="0" err="1">
+                <a:ln>
+                  <a:noFill/>
+                </a:ln>
+                <a:solidFill>
+                  <a:schemeClr val="tx1"/>
+                </a:solidFill>
+                <a:effectLst/>
+                <a:latin typeface="Times New Roman" panose="02020603050405020304" pitchFamily="18" charset="0"/>
+                <a:cs typeface="Times New Roman" panose="02020603050405020304" pitchFamily="18" charset="0"/>
+              </a:rPr>
+              <a:t>scaler.fit_transform</a:t>
+            </a:r>
+            <a:r>
+              <a:rPr kumimoji="0" lang="en-US" altLang="en-US" sz="1600" b="0" i="0" u="none" strike="noStrike" cap="none" normalizeH="0" baseline="0" dirty="0">
+                <a:ln>
+                  <a:noFill/>
+                </a:ln>
+                <a:solidFill>
+                  <a:schemeClr val="tx1"/>
+                </a:solidFill>
+                <a:effectLst/>
+                <a:latin typeface="Times New Roman" panose="02020603050405020304" pitchFamily="18" charset="0"/>
+                <a:cs typeface="Times New Roman" panose="02020603050405020304" pitchFamily="18" charset="0"/>
+              </a:rPr>
+              <a:t>()), ensuring consistent scaling for </a:t>
+            </a:r>
+            <a:r>
+              <a:rPr kumimoji="0" lang="en-US" altLang="en-US" sz="1600" b="0" i="0" u="none" strike="noStrike" cap="none" normalizeH="0" baseline="0" dirty="0" err="1">
+                <a:ln>
+                  <a:noFill/>
+                </a:ln>
+                <a:solidFill>
+                  <a:schemeClr val="tx1"/>
+                </a:solidFill>
+                <a:effectLst/>
+                <a:latin typeface="Times New Roman" panose="02020603050405020304" pitchFamily="18" charset="0"/>
+                <a:cs typeface="Times New Roman" panose="02020603050405020304" pitchFamily="18" charset="0"/>
+              </a:rPr>
+              <a:t>NearestNeighbors</a:t>
+            </a:r>
+            <a:r>
+              <a:rPr kumimoji="0" lang="en-US" altLang="en-US" sz="1600" b="0" i="0" u="none" strike="noStrike" cap="none" normalizeH="0" baseline="0" dirty="0">
+                <a:ln>
+                  <a:noFill/>
+                </a:ln>
+                <a:solidFill>
+                  <a:schemeClr val="tx1"/>
+                </a:solidFill>
+                <a:effectLst/>
+                <a:latin typeface="Times New Roman" panose="02020603050405020304" pitchFamily="18" charset="0"/>
+                <a:cs typeface="Times New Roman" panose="02020603050405020304" pitchFamily="18" charset="0"/>
+              </a:rPr>
+              <a:t>. </a:t>
+            </a:r>
+          </a:p>
+          <a:p>
+            <a:pPr marL="285750" marR="0" lvl="0" indent="-285750" algn="l" defTabSz="914400" rtl="0" eaLnBrk="0" fontAlgn="base" latinLnBrk="0" hangingPunct="0">
+              <a:lnSpc>
+                <a:spcPct val="150000"/>
+              </a:lnSpc>
+              <a:spcBef>
+                <a:spcPct val="0"/>
+              </a:spcBef>
+              <a:spcAft>
+                <a:spcPct val="0"/>
+              </a:spcAft>
+              <a:buClrTx/>
+              <a:buSzTx/>
+              <a:buFont typeface="Wingdings" panose="05000000000000000000" pitchFamily="2" charset="2"/>
+              <a:buChar char="q"/>
+              <a:tabLst/>
+            </a:pPr>
+            <a:r>
+              <a:rPr kumimoji="0" lang="en-US" altLang="en-US" sz="1600" b="1" i="0" u="none" strike="noStrike" cap="none" normalizeH="0" baseline="0" dirty="0">
+                <a:ln>
+                  <a:noFill/>
+                </a:ln>
+                <a:solidFill>
+                  <a:schemeClr val="tx1"/>
+                </a:solidFill>
+                <a:effectLst/>
+                <a:latin typeface="Times New Roman" panose="02020603050405020304" pitchFamily="18" charset="0"/>
+                <a:cs typeface="Times New Roman" panose="02020603050405020304" pitchFamily="18" charset="0"/>
+              </a:rPr>
+              <a:t>Feature Selection</a:t>
+            </a:r>
+            <a:r>
+              <a:rPr kumimoji="0" lang="en-US" altLang="en-US" sz="1600" b="0" i="0" u="none" strike="noStrike" cap="none" normalizeH="0" baseline="0" dirty="0">
+                <a:ln>
+                  <a:noFill/>
+                </a:ln>
+                <a:solidFill>
+                  <a:schemeClr val="tx1"/>
+                </a:solidFill>
+                <a:effectLst/>
+                <a:latin typeface="Times New Roman" panose="02020603050405020304" pitchFamily="18" charset="0"/>
+                <a:cs typeface="Times New Roman" panose="02020603050405020304" pitchFamily="18" charset="0"/>
+              </a:rPr>
+              <a:t>: 9 key features (valence, danceability, etc.) chosen for similarity (Cell 8);</a:t>
+            </a:r>
+          </a:p>
+          <a:p>
+            <a:pPr marR="0" lvl="0" algn="l" defTabSz="914400" rtl="0" eaLnBrk="0" fontAlgn="base" latinLnBrk="0" hangingPunct="0">
+              <a:lnSpc>
+                <a:spcPct val="150000"/>
+              </a:lnSpc>
+              <a:spcBef>
+                <a:spcPct val="0"/>
+              </a:spcBef>
+              <a:spcAft>
+                <a:spcPct val="0"/>
+              </a:spcAft>
+              <a:buClrTx/>
+              <a:buSzTx/>
+              <a:tabLst/>
+            </a:pPr>
+            <a:r>
+              <a:rPr kumimoji="0" lang="en-US" altLang="en-US" sz="1600" b="0" i="0" u="none" strike="noStrike" cap="none" normalizeH="0" baseline="0" dirty="0">
+                <a:ln>
+                  <a:noFill/>
+                </a:ln>
+                <a:solidFill>
+                  <a:schemeClr val="tx1"/>
+                </a:solidFill>
+                <a:effectLst/>
+                <a:latin typeface="Times New Roman" panose="02020603050405020304" pitchFamily="18" charset="0"/>
+                <a:cs typeface="Times New Roman" panose="02020603050405020304" pitchFamily="18" charset="0"/>
+              </a:rPr>
+              <a:t> filtered subset </a:t>
+            </a:r>
+            <a:r>
+              <a:rPr kumimoji="0" lang="en-US" altLang="en-US" sz="1600" b="1" i="0" u="none" strike="noStrike" cap="none" normalizeH="0" baseline="0" dirty="0" err="1">
+                <a:ln>
+                  <a:noFill/>
+                </a:ln>
+                <a:solidFill>
+                  <a:schemeClr val="tx1"/>
+                </a:solidFill>
+                <a:effectLst/>
+                <a:latin typeface="Times New Roman" panose="02020603050405020304" pitchFamily="18" charset="0"/>
+                <a:cs typeface="Times New Roman" panose="02020603050405020304" pitchFamily="18" charset="0"/>
+              </a:rPr>
+              <a:t>df_filtered</a:t>
+            </a:r>
+            <a:r>
+              <a:rPr kumimoji="0" lang="en-US" altLang="en-US" sz="1600" b="1" i="0" u="none" strike="noStrike" cap="none" normalizeH="0" baseline="0" dirty="0">
+                <a:ln>
+                  <a:noFill/>
+                </a:ln>
+                <a:solidFill>
+                  <a:schemeClr val="tx1"/>
+                </a:solidFill>
+                <a:effectLst/>
+                <a:latin typeface="Times New Roman" panose="02020603050405020304" pitchFamily="18" charset="0"/>
+                <a:cs typeface="Times New Roman" panose="02020603050405020304" pitchFamily="18" charset="0"/>
+              </a:rPr>
+              <a:t> </a:t>
+            </a:r>
+            <a:r>
+              <a:rPr kumimoji="0" lang="en-US" altLang="en-US" sz="1600" b="0" i="0" u="none" strike="noStrike" cap="none" normalizeH="0" baseline="0" dirty="0">
+                <a:ln>
+                  <a:noFill/>
+                </a:ln>
+                <a:solidFill>
+                  <a:schemeClr val="tx1"/>
+                </a:solidFill>
+                <a:effectLst/>
+                <a:latin typeface="Times New Roman" panose="02020603050405020304" pitchFamily="18" charset="0"/>
+                <a:cs typeface="Times New Roman" panose="02020603050405020304" pitchFamily="18" charset="0"/>
+              </a:rPr>
+              <a:t>(1,199 rows) for Relaxation/Yoga (Cell 12). </a:t>
+            </a:r>
+          </a:p>
+          <a:p>
+            <a:pPr marL="285750" marR="0" lvl="0" indent="-285750" algn="l" defTabSz="914400" rtl="0" eaLnBrk="0" fontAlgn="base" latinLnBrk="0" hangingPunct="0">
+              <a:lnSpc>
+                <a:spcPct val="150000"/>
+              </a:lnSpc>
+              <a:spcBef>
+                <a:spcPct val="0"/>
+              </a:spcBef>
+              <a:spcAft>
+                <a:spcPct val="0"/>
+              </a:spcAft>
+              <a:buClrTx/>
+              <a:buSzTx/>
+              <a:buFont typeface="Wingdings" panose="05000000000000000000" pitchFamily="2" charset="2"/>
+              <a:buChar char="q"/>
+              <a:tabLst/>
+            </a:pPr>
+            <a:endParaRPr kumimoji="0" lang="en-US" altLang="en-US" sz="1600" b="0" i="0" u="none" strike="noStrike" cap="none" normalizeH="0" baseline="0" dirty="0">
+              <a:ln>
+                <a:noFill/>
+              </a:ln>
+              <a:solidFill>
+                <a:schemeClr val="tx1"/>
+              </a:solidFill>
+              <a:effectLst/>
+              <a:latin typeface="Times New Roman" panose="02020603050405020304" pitchFamily="18" charset="0"/>
+              <a:cs typeface="Times New Roman" panose="02020603050405020304" pitchFamily="18" charset="0"/>
+            </a:endParaRPr>
+          </a:p>
+        </p:txBody>
+      </p:sp>
+      <p:pic>
+        <p:nvPicPr>
+          <p:cNvPr id="6" name="Picture 5">
+            <a:extLst>
+              <a:ext uri="{FF2B5EF4-FFF2-40B4-BE49-F238E27FC236}">
+                <a16:creationId xmlns:a16="http://schemas.microsoft.com/office/drawing/2014/main" id="{FC142880-9BE4-5B1A-D8B3-6D54C3A0874D}"/>
+              </a:ext>
+            </a:extLst>
+          </p:cNvPr>
+          <p:cNvPicPr>
+            <a:picLocks noChangeAspect="1"/>
+          </p:cNvPicPr>
+          <p:nvPr/>
+        </p:nvPicPr>
+        <p:blipFill>
+          <a:blip r:embed="rId2">
+            <a:extLst>
+              <a:ext uri="{28A0092B-C50C-407E-A947-70E740481C1C}">
+                <a14:useLocalDpi xmlns:a14="http://schemas.microsoft.com/office/drawing/2010/main" val="0"/>
+              </a:ext>
+            </a:extLst>
+          </a:blip>
+          <a:stretch>
+            <a:fillRect/>
+          </a:stretch>
+        </p:blipFill>
+        <p:spPr>
+          <a:xfrm>
+            <a:off x="304800" y="2876551"/>
+            <a:ext cx="8458200" cy="2076698"/>
+          </a:xfrm>
+          <a:prstGeom prst="rect">
+            <a:avLst/>
+          </a:prstGeom>
+        </p:spPr>
+      </p:pic>
+    </p:spTree>
+  </p:cSld>
+  <p:clrMapOvr>
+    <a:masterClrMapping/>
+  </p:clrMapOvr>
+</p:sld>
+</file>
+
+<file path=ppt/slides/slide7.xml><?xml version="1.0" encoding="utf-8"?>
+<p:sld xmlns:a="http://schemas.openxmlformats.org/drawingml/2006/main" xmlns:r="http://schemas.openxmlformats.org/officeDocument/2006/relationships" xmlns:p="http://schemas.openxmlformats.org/presentationml/2006/main">
+  <p:cSld>
+    <p:spTree>
+      <p:nvGrpSpPr>
+        <p:cNvPr id="1" name=""/>
+        <p:cNvGrpSpPr/>
+        <p:nvPr/>
+      </p:nvGrpSpPr>
+      <p:grpSpPr>
+        <a:xfrm>
+          <a:off x="0" y="0"/>
+          <a:ext cx="0" cy="0"/>
+          <a:chOff x="0" y="0"/>
+          <a:chExt cx="0" cy="0"/>
+        </a:xfrm>
+      </p:grpSpPr>
+      <p:sp>
+        <p:nvSpPr>
+          <p:cNvPr id="2" name="object 2"/>
+          <p:cNvSpPr txBox="1">
+            <a:spLocks noGrp="1"/>
+          </p:cNvSpPr>
+          <p:nvPr>
+            <p:ph type="title"/>
+          </p:nvPr>
+        </p:nvSpPr>
+        <p:spPr>
+          <a:xfrm>
+            <a:off x="168878" y="209550"/>
+            <a:ext cx="2860675" cy="391160"/>
+          </a:xfrm>
+          <a:prstGeom prst="rect">
+            <a:avLst/>
+          </a:prstGeom>
+        </p:spPr>
+        <p:txBody>
+          <a:bodyPr vert="horz" wrap="square" lIns="0" tIns="12700" rIns="0" bIns="0" rtlCol="0">
+            <a:spAutoFit/>
+          </a:bodyPr>
+          <a:lstStyle/>
+          <a:p>
+            <a:pPr marL="12700">
+              <a:lnSpc>
+                <a:spcPct val="100000"/>
+              </a:lnSpc>
+              <a:spcBef>
+                <a:spcPts val="100"/>
+              </a:spcBef>
+            </a:pPr>
+            <a:r>
+              <a:rPr dirty="0"/>
+              <a:t>Data</a:t>
+            </a:r>
+            <a:r>
+              <a:rPr spc="-70" dirty="0"/>
+              <a:t> </a:t>
+            </a:r>
+            <a:r>
+              <a:rPr spc="-125" dirty="0"/>
+              <a:t>Analysis</a:t>
+            </a:r>
+            <a:r>
+              <a:rPr spc="-105" dirty="0"/>
+              <a:t> </a:t>
+            </a:r>
+            <a:r>
+              <a:rPr spc="-95" dirty="0"/>
+              <a:t>Steps</a:t>
+            </a:r>
+          </a:p>
+        </p:txBody>
+      </p:sp>
+      <p:sp>
+        <p:nvSpPr>
+          <p:cNvPr id="3" name="object 3"/>
+          <p:cNvSpPr txBox="1"/>
+          <p:nvPr/>
+        </p:nvSpPr>
+        <p:spPr>
+          <a:xfrm>
+            <a:off x="168878" y="578789"/>
+            <a:ext cx="4174522" cy="4564711"/>
+          </a:xfrm>
+          <a:prstGeom prst="rect">
+            <a:avLst/>
+          </a:prstGeom>
+        </p:spPr>
+        <p:txBody>
+          <a:bodyPr vert="horz" wrap="square" lIns="0" tIns="40005" rIns="0" bIns="0" rtlCol="0">
+            <a:spAutoFit/>
+          </a:bodyPr>
+          <a:lstStyle/>
+          <a:p>
+            <a:pPr algn="just"/>
+            <a:r>
+              <a:rPr lang="en-IN" sz="1400" dirty="0">
+                <a:latin typeface="Roboto" panose="02000000000000000000" pitchFamily="2" charset="0"/>
+                <a:ea typeface="Roboto" panose="02000000000000000000" pitchFamily="2" charset="0"/>
+                <a:cs typeface="Roboto" panose="02000000000000000000" pitchFamily="2" charset="0"/>
+              </a:rPr>
+              <a:t>✔ </a:t>
+            </a:r>
+            <a:r>
+              <a:rPr lang="en-IN" sz="1400" b="1" u="sng" dirty="0">
+                <a:latin typeface="Roboto" panose="02000000000000000000" pitchFamily="2" charset="0"/>
+                <a:ea typeface="Roboto" panose="02000000000000000000" pitchFamily="2" charset="0"/>
+                <a:cs typeface="Roboto" panose="02000000000000000000" pitchFamily="2" charset="0"/>
+              </a:rPr>
+              <a:t>Imported Libraries</a:t>
+            </a:r>
+            <a:r>
+              <a:rPr lang="en-IN" sz="1400" u="sng" dirty="0">
+                <a:latin typeface="Roboto" panose="02000000000000000000" pitchFamily="2" charset="0"/>
+                <a:ea typeface="Roboto" panose="02000000000000000000" pitchFamily="2" charset="0"/>
+                <a:cs typeface="Roboto" panose="02000000000000000000" pitchFamily="2" charset="0"/>
+              </a:rPr>
+              <a:t> </a:t>
+            </a:r>
+            <a:r>
+              <a:rPr lang="en-IN" sz="1400" dirty="0">
+                <a:latin typeface="Roboto" panose="02000000000000000000" pitchFamily="2" charset="0"/>
+                <a:ea typeface="Roboto" panose="02000000000000000000" pitchFamily="2" charset="0"/>
+                <a:cs typeface="Roboto" panose="02000000000000000000" pitchFamily="2" charset="0"/>
+              </a:rPr>
+              <a:t>– Used </a:t>
+            </a:r>
+            <a:r>
+              <a:rPr lang="en-IN" sz="1400" b="1" dirty="0">
+                <a:latin typeface="Roboto" panose="02000000000000000000" pitchFamily="2" charset="0"/>
+                <a:ea typeface="Roboto" panose="02000000000000000000" pitchFamily="2" charset="0"/>
+                <a:cs typeface="Roboto" panose="02000000000000000000" pitchFamily="2" charset="0"/>
+              </a:rPr>
+              <a:t>Pandas, NumPy</a:t>
+            </a:r>
+            <a:r>
+              <a:rPr lang="en-IN" sz="1400" dirty="0">
+                <a:latin typeface="Roboto" panose="02000000000000000000" pitchFamily="2" charset="0"/>
+                <a:ea typeface="Roboto" panose="02000000000000000000" pitchFamily="2" charset="0"/>
+                <a:cs typeface="Roboto" panose="02000000000000000000" pitchFamily="2" charset="0"/>
+              </a:rPr>
+              <a:t> for data processing and </a:t>
+            </a:r>
+            <a:r>
+              <a:rPr lang="en-IN" sz="1400" b="1" dirty="0">
+                <a:latin typeface="Roboto" panose="02000000000000000000" pitchFamily="2" charset="0"/>
+                <a:ea typeface="Roboto" panose="02000000000000000000" pitchFamily="2" charset="0"/>
+                <a:cs typeface="Roboto" panose="02000000000000000000" pitchFamily="2" charset="0"/>
+              </a:rPr>
+              <a:t>Seaborn, Matplotlib</a:t>
+            </a:r>
+            <a:r>
+              <a:rPr lang="en-IN" sz="1400" dirty="0">
+                <a:latin typeface="Roboto" panose="02000000000000000000" pitchFamily="2" charset="0"/>
+                <a:ea typeface="Roboto" panose="02000000000000000000" pitchFamily="2" charset="0"/>
+                <a:cs typeface="Roboto" panose="02000000000000000000" pitchFamily="2" charset="0"/>
+              </a:rPr>
+              <a:t> for visualization. </a:t>
+            </a:r>
+            <a:r>
+              <a:rPr lang="en-IN" sz="1400" b="1" dirty="0">
+                <a:latin typeface="Roboto" panose="02000000000000000000" pitchFamily="2" charset="0"/>
+                <a:ea typeface="Roboto" panose="02000000000000000000" pitchFamily="2" charset="0"/>
+                <a:cs typeface="Roboto" panose="02000000000000000000" pitchFamily="2" charset="0"/>
+              </a:rPr>
+              <a:t>Scikit-learn</a:t>
+            </a:r>
+            <a:r>
+              <a:rPr lang="en-IN" sz="1400" dirty="0">
+                <a:latin typeface="Roboto" panose="02000000000000000000" pitchFamily="2" charset="0"/>
+                <a:ea typeface="Roboto" panose="02000000000000000000" pitchFamily="2" charset="0"/>
+                <a:cs typeface="Roboto" panose="02000000000000000000" pitchFamily="2" charset="0"/>
+              </a:rPr>
+              <a:t> used for building the recommendation model.</a:t>
+            </a:r>
+          </a:p>
+          <a:p>
+            <a:pPr algn="just"/>
+            <a:endParaRPr lang="en-IN" sz="1400" dirty="0">
+              <a:latin typeface="Roboto" panose="02000000000000000000" pitchFamily="2" charset="0"/>
+              <a:ea typeface="Roboto" panose="02000000000000000000" pitchFamily="2" charset="0"/>
+              <a:cs typeface="Roboto" panose="02000000000000000000" pitchFamily="2" charset="0"/>
+            </a:endParaRPr>
+          </a:p>
+          <a:p>
+            <a:pPr algn="just"/>
+            <a:r>
+              <a:rPr lang="en-IN" sz="1400" dirty="0">
+                <a:latin typeface="Roboto" panose="02000000000000000000" pitchFamily="2" charset="0"/>
+                <a:ea typeface="Roboto" panose="02000000000000000000" pitchFamily="2" charset="0"/>
+                <a:cs typeface="Roboto" panose="02000000000000000000" pitchFamily="2" charset="0"/>
+              </a:rPr>
+              <a:t>✔ </a:t>
+            </a:r>
+            <a:r>
+              <a:rPr lang="en-IN" sz="1400" b="1" u="sng" dirty="0">
+                <a:latin typeface="Roboto" panose="02000000000000000000" pitchFamily="2" charset="0"/>
+                <a:ea typeface="Roboto" panose="02000000000000000000" pitchFamily="2" charset="0"/>
+                <a:cs typeface="Roboto" panose="02000000000000000000" pitchFamily="2" charset="0"/>
+              </a:rPr>
+              <a:t>Descriptive Statistics</a:t>
+            </a:r>
+            <a:r>
+              <a:rPr lang="en-IN" sz="1400" u="sng" dirty="0">
+                <a:latin typeface="Roboto" panose="02000000000000000000" pitchFamily="2" charset="0"/>
+                <a:ea typeface="Roboto" panose="02000000000000000000" pitchFamily="2" charset="0"/>
+                <a:cs typeface="Roboto" panose="02000000000000000000" pitchFamily="2" charset="0"/>
+              </a:rPr>
+              <a:t> </a:t>
+            </a:r>
+            <a:r>
+              <a:rPr lang="en-IN" sz="1400" dirty="0">
+                <a:latin typeface="Roboto" panose="02000000000000000000" pitchFamily="2" charset="0"/>
+                <a:ea typeface="Roboto" panose="02000000000000000000" pitchFamily="2" charset="0"/>
+                <a:cs typeface="Roboto" panose="02000000000000000000" pitchFamily="2" charset="0"/>
+              </a:rPr>
+              <a:t>– Analysed attributes like </a:t>
+            </a:r>
+            <a:r>
+              <a:rPr lang="en-IN" sz="1400" b="1" dirty="0">
+                <a:latin typeface="Roboto" panose="02000000000000000000" pitchFamily="2" charset="0"/>
+                <a:ea typeface="Roboto" panose="02000000000000000000" pitchFamily="2" charset="0"/>
+                <a:cs typeface="Roboto" panose="02000000000000000000" pitchFamily="2" charset="0"/>
+              </a:rPr>
+              <a:t>tempo, loudness, energy, valence</a:t>
+            </a:r>
+            <a:r>
+              <a:rPr lang="en-IN" sz="1400" dirty="0">
+                <a:latin typeface="Roboto" panose="02000000000000000000" pitchFamily="2" charset="0"/>
+                <a:ea typeface="Roboto" panose="02000000000000000000" pitchFamily="2" charset="0"/>
+                <a:cs typeface="Roboto" panose="02000000000000000000" pitchFamily="2" charset="0"/>
+              </a:rPr>
+              <a:t> to understand their influence on recommendations.</a:t>
+            </a:r>
+          </a:p>
+          <a:p>
+            <a:pPr algn="just"/>
+            <a:endParaRPr lang="en-IN" sz="1400" dirty="0">
+              <a:latin typeface="Roboto" panose="02000000000000000000" pitchFamily="2" charset="0"/>
+              <a:ea typeface="Roboto" panose="02000000000000000000" pitchFamily="2" charset="0"/>
+              <a:cs typeface="Roboto" panose="02000000000000000000" pitchFamily="2" charset="0"/>
+            </a:endParaRPr>
+          </a:p>
+          <a:p>
+            <a:pPr algn="just"/>
+            <a:r>
+              <a:rPr lang="en-IN" sz="1400" dirty="0">
+                <a:latin typeface="Roboto" panose="02000000000000000000" pitchFamily="2" charset="0"/>
+                <a:ea typeface="Roboto" panose="02000000000000000000" pitchFamily="2" charset="0"/>
+                <a:cs typeface="Roboto" panose="02000000000000000000" pitchFamily="2" charset="0"/>
+              </a:rPr>
+              <a:t>✔ </a:t>
+            </a:r>
+            <a:r>
+              <a:rPr lang="en-IN" sz="1400" b="1" u="sng" dirty="0">
+                <a:latin typeface="Roboto" panose="02000000000000000000" pitchFamily="2" charset="0"/>
+                <a:ea typeface="Roboto" panose="02000000000000000000" pitchFamily="2" charset="0"/>
+                <a:cs typeface="Roboto" panose="02000000000000000000" pitchFamily="2" charset="0"/>
+              </a:rPr>
+              <a:t>Missing Value Imputation</a:t>
+            </a:r>
+            <a:r>
+              <a:rPr lang="en-IN" sz="1400" u="sng" dirty="0">
+                <a:latin typeface="Roboto" panose="02000000000000000000" pitchFamily="2" charset="0"/>
+                <a:ea typeface="Roboto" panose="02000000000000000000" pitchFamily="2" charset="0"/>
+                <a:cs typeface="Roboto" panose="02000000000000000000" pitchFamily="2" charset="0"/>
+              </a:rPr>
+              <a:t> </a:t>
+            </a:r>
+            <a:r>
+              <a:rPr lang="en-IN" sz="1400" dirty="0">
+                <a:latin typeface="Roboto" panose="02000000000000000000" pitchFamily="2" charset="0"/>
+                <a:ea typeface="Roboto" panose="02000000000000000000" pitchFamily="2" charset="0"/>
+                <a:cs typeface="Roboto" panose="02000000000000000000" pitchFamily="2" charset="0"/>
+              </a:rPr>
+              <a:t>– Checked for missing values and handled them through </a:t>
+            </a:r>
+            <a:r>
+              <a:rPr lang="en-IN" sz="1400" b="1" dirty="0">
+                <a:latin typeface="Roboto" panose="02000000000000000000" pitchFamily="2" charset="0"/>
+                <a:ea typeface="Roboto" panose="02000000000000000000" pitchFamily="2" charset="0"/>
+                <a:cs typeface="Roboto" panose="02000000000000000000" pitchFamily="2" charset="0"/>
+              </a:rPr>
+              <a:t>imputation and normalization</a:t>
+            </a:r>
+            <a:r>
+              <a:rPr lang="en-IN" sz="1400" dirty="0">
+                <a:latin typeface="Roboto" panose="02000000000000000000" pitchFamily="2" charset="0"/>
+                <a:ea typeface="Roboto" panose="02000000000000000000" pitchFamily="2" charset="0"/>
+                <a:cs typeface="Roboto" panose="02000000000000000000" pitchFamily="2" charset="0"/>
+              </a:rPr>
+              <a:t>.</a:t>
+            </a:r>
+          </a:p>
+          <a:p>
+            <a:pPr algn="just"/>
+            <a:endParaRPr lang="en-IN" sz="1400" dirty="0">
+              <a:latin typeface="Roboto" panose="02000000000000000000" pitchFamily="2" charset="0"/>
+              <a:ea typeface="Roboto" panose="02000000000000000000" pitchFamily="2" charset="0"/>
+              <a:cs typeface="Roboto" panose="02000000000000000000" pitchFamily="2" charset="0"/>
+            </a:endParaRPr>
+          </a:p>
+          <a:p>
+            <a:pPr algn="just"/>
+            <a:r>
+              <a:rPr lang="en-IN" sz="1400" dirty="0">
+                <a:latin typeface="Roboto" panose="02000000000000000000" pitchFamily="2" charset="0"/>
+                <a:ea typeface="Roboto" panose="02000000000000000000" pitchFamily="2" charset="0"/>
+                <a:cs typeface="Roboto" panose="02000000000000000000" pitchFamily="2" charset="0"/>
+              </a:rPr>
+              <a:t>✔ </a:t>
+            </a:r>
+            <a:r>
+              <a:rPr lang="en-IN" sz="1400" b="1" u="sng" dirty="0">
+                <a:latin typeface="Roboto" panose="02000000000000000000" pitchFamily="2" charset="0"/>
+                <a:ea typeface="Roboto" panose="02000000000000000000" pitchFamily="2" charset="0"/>
+                <a:cs typeface="Roboto" panose="02000000000000000000" pitchFamily="2" charset="0"/>
+              </a:rPr>
+              <a:t>Graphical Representation</a:t>
+            </a:r>
+            <a:r>
+              <a:rPr lang="en-IN" sz="1400" u="sng" dirty="0">
+                <a:latin typeface="Roboto" panose="02000000000000000000" pitchFamily="2" charset="0"/>
+                <a:ea typeface="Roboto" panose="02000000000000000000" pitchFamily="2" charset="0"/>
+                <a:cs typeface="Roboto" panose="02000000000000000000" pitchFamily="2" charset="0"/>
+              </a:rPr>
+              <a:t> </a:t>
+            </a:r>
+            <a:r>
+              <a:rPr lang="en-IN" sz="1400" dirty="0">
+                <a:latin typeface="Roboto" panose="02000000000000000000" pitchFamily="2" charset="0"/>
+                <a:ea typeface="Roboto" panose="02000000000000000000" pitchFamily="2" charset="0"/>
+                <a:cs typeface="Roboto" panose="02000000000000000000" pitchFamily="2" charset="0"/>
+              </a:rPr>
+              <a:t>– Conducted </a:t>
+            </a:r>
+            <a:r>
+              <a:rPr lang="en-IN" sz="1400" b="1" dirty="0">
+                <a:latin typeface="Roboto" panose="02000000000000000000" pitchFamily="2" charset="0"/>
+                <a:ea typeface="Roboto" panose="02000000000000000000" pitchFamily="2" charset="0"/>
+                <a:cs typeface="Roboto" panose="02000000000000000000" pitchFamily="2" charset="0"/>
+              </a:rPr>
+              <a:t>Exploratory Data Analysis (EDA)</a:t>
+            </a:r>
+            <a:r>
+              <a:rPr lang="en-IN" sz="1400" dirty="0">
+                <a:latin typeface="Roboto" panose="02000000000000000000" pitchFamily="2" charset="0"/>
+                <a:ea typeface="Roboto" panose="02000000000000000000" pitchFamily="2" charset="0"/>
+                <a:cs typeface="Roboto" panose="02000000000000000000" pitchFamily="2" charset="0"/>
+              </a:rPr>
+              <a:t> to examine trends in </a:t>
+            </a:r>
+            <a:r>
+              <a:rPr lang="en-IN" sz="1400" b="1" dirty="0">
+                <a:latin typeface="Roboto" panose="02000000000000000000" pitchFamily="2" charset="0"/>
+                <a:ea typeface="Roboto" panose="02000000000000000000" pitchFamily="2" charset="0"/>
+                <a:cs typeface="Roboto" panose="02000000000000000000" pitchFamily="2" charset="0"/>
+              </a:rPr>
+              <a:t>popularity, mood-based segmentation, and track attributes</a:t>
+            </a:r>
+            <a:r>
+              <a:rPr lang="en-IN" sz="1400" dirty="0">
+                <a:latin typeface="Roboto" panose="02000000000000000000" pitchFamily="2" charset="0"/>
+                <a:ea typeface="Roboto" panose="02000000000000000000" pitchFamily="2" charset="0"/>
+                <a:cs typeface="Roboto" panose="02000000000000000000" pitchFamily="2" charset="0"/>
+              </a:rPr>
+              <a:t>.</a:t>
+            </a:r>
+          </a:p>
+          <a:p>
+            <a:pPr algn="just"/>
+            <a:endParaRPr lang="en-IN" sz="1400" dirty="0">
+              <a:latin typeface="Roboto" panose="02000000000000000000" pitchFamily="2" charset="0"/>
+              <a:ea typeface="Roboto" panose="02000000000000000000" pitchFamily="2" charset="0"/>
+              <a:cs typeface="Roboto" panose="02000000000000000000" pitchFamily="2" charset="0"/>
+            </a:endParaRPr>
+          </a:p>
+          <a:p>
+            <a:pPr algn="just"/>
+            <a:r>
+              <a:rPr lang="en-IN" sz="1400" dirty="0">
+                <a:latin typeface="Roboto" panose="02000000000000000000" pitchFamily="2" charset="0"/>
+                <a:ea typeface="Roboto" panose="02000000000000000000" pitchFamily="2" charset="0"/>
+                <a:cs typeface="Roboto" panose="02000000000000000000" pitchFamily="2" charset="0"/>
+              </a:rPr>
+              <a:t>✔ </a:t>
+            </a:r>
+            <a:r>
+              <a:rPr lang="en-IN" sz="1400" b="1" u="sng" dirty="0" err="1">
+                <a:latin typeface="Roboto" panose="02000000000000000000" pitchFamily="2" charset="0"/>
+                <a:ea typeface="Roboto" panose="02000000000000000000" pitchFamily="2" charset="0"/>
+                <a:cs typeface="Roboto" panose="02000000000000000000" pitchFamily="2" charset="0"/>
+              </a:rPr>
+              <a:t>Modeling</a:t>
+            </a:r>
+            <a:r>
+              <a:rPr lang="en-IN" sz="1400" dirty="0">
+                <a:latin typeface="Roboto" panose="02000000000000000000" pitchFamily="2" charset="0"/>
+                <a:ea typeface="Roboto" panose="02000000000000000000" pitchFamily="2" charset="0"/>
+                <a:cs typeface="Roboto" panose="02000000000000000000" pitchFamily="2" charset="0"/>
+              </a:rPr>
+              <a:t> – Implemented </a:t>
+            </a:r>
+            <a:r>
+              <a:rPr lang="en-IN" sz="1400" b="1" dirty="0">
+                <a:latin typeface="Roboto" panose="02000000000000000000" pitchFamily="2" charset="0"/>
+                <a:ea typeface="Roboto" panose="02000000000000000000" pitchFamily="2" charset="0"/>
+                <a:cs typeface="Roboto" panose="02000000000000000000" pitchFamily="2" charset="0"/>
+              </a:rPr>
+              <a:t>Content-Based Filtering, KNN, and Hybrid Models</a:t>
+            </a:r>
+            <a:r>
+              <a:rPr lang="en-IN" sz="1400" dirty="0">
+                <a:latin typeface="Roboto" panose="02000000000000000000" pitchFamily="2" charset="0"/>
+                <a:ea typeface="Roboto" panose="02000000000000000000" pitchFamily="2" charset="0"/>
+                <a:cs typeface="Roboto" panose="02000000000000000000" pitchFamily="2" charset="0"/>
+              </a:rPr>
+              <a:t> to enhance recommendation accuracy.</a:t>
+            </a:r>
+          </a:p>
+        </p:txBody>
+      </p:sp>
+      <p:pic>
+        <p:nvPicPr>
+          <p:cNvPr id="5" name="Picture 4">
+            <a:extLst>
+              <a:ext uri="{FF2B5EF4-FFF2-40B4-BE49-F238E27FC236}">
+                <a16:creationId xmlns:a16="http://schemas.microsoft.com/office/drawing/2014/main" id="{9C048B5F-B767-3F15-BE53-26F4A4D698DC}"/>
+              </a:ext>
+            </a:extLst>
+          </p:cNvPr>
+          <p:cNvPicPr>
+            <a:picLocks noChangeAspect="1"/>
+          </p:cNvPicPr>
+          <p:nvPr/>
+        </p:nvPicPr>
+        <p:blipFill>
+          <a:blip r:embed="rId2"/>
+          <a:stretch>
+            <a:fillRect/>
+          </a:stretch>
+        </p:blipFill>
+        <p:spPr>
+          <a:xfrm>
+            <a:off x="4549945" y="819150"/>
+            <a:ext cx="4419601" cy="3657600"/>
+          </a:xfrm>
+          <a:prstGeom prst="rect">
+            <a:avLst/>
+          </a:prstGeom>
+        </p:spPr>
+      </p:pic>
+    </p:spTree>
+  </p:cSld>
+  <p:clrMapOvr>
+    <a:masterClrMapping/>
+  </p:clrMapOvr>
+</p:sld>
+</file>
+
+<file path=ppt/slides/slide8.xml><?xml version="1.0" encoding="utf-8"?>
+<p:sld xmlns:a="http://schemas.openxmlformats.org/drawingml/2006/main" xmlns:r="http://schemas.openxmlformats.org/officeDocument/2006/relationships" xmlns:p="http://schemas.openxmlformats.org/presentationml/2006/main">
+  <p:cSld>
+    <p:spTree>
+      <p:nvGrpSpPr>
+        <p:cNvPr id="1" name=""/>
+        <p:cNvGrpSpPr/>
+        <p:nvPr/>
+      </p:nvGrpSpPr>
+      <p:grpSpPr>
+        <a:xfrm>
+          <a:off x="0" y="0"/>
+          <a:ext cx="0" cy="0"/>
+          <a:chOff x="0" y="0"/>
+          <a:chExt cx="0" cy="0"/>
+        </a:xfrm>
+      </p:grpSpPr>
+      <p:pic>
+        <p:nvPicPr>
+          <p:cNvPr id="5" name="Picture 4">
+            <a:extLst>
+              <a:ext uri="{FF2B5EF4-FFF2-40B4-BE49-F238E27FC236}">
+                <a16:creationId xmlns:a16="http://schemas.microsoft.com/office/drawing/2014/main" id="{585DBEDD-600F-EAF0-B4B3-D705F7FDD218}"/>
+              </a:ext>
+            </a:extLst>
+          </p:cNvPr>
+          <p:cNvPicPr>
+            <a:picLocks noChangeAspect="1"/>
+          </p:cNvPicPr>
+          <p:nvPr/>
+        </p:nvPicPr>
+        <p:blipFill>
+          <a:blip r:embed="rId2">
+            <a:extLst>
+              <a:ext uri="{28A0092B-C50C-407E-A947-70E740481C1C}">
+                <a14:useLocalDpi xmlns:a14="http://schemas.microsoft.com/office/drawing/2010/main" val="0"/>
+              </a:ext>
+            </a:extLst>
+          </a:blip>
+          <a:stretch>
+            <a:fillRect/>
+          </a:stretch>
+        </p:blipFill>
+        <p:spPr>
+          <a:xfrm>
+            <a:off x="76200" y="438150"/>
+            <a:ext cx="8686800" cy="4629150"/>
+          </a:xfrm>
+          <a:prstGeom prst="rect">
+            <a:avLst/>
+          </a:prstGeom>
+        </p:spPr>
+      </p:pic>
+      <p:sp>
+        <p:nvSpPr>
+          <p:cNvPr id="7" name="TextBox 6">
+            <a:extLst>
+              <a:ext uri="{FF2B5EF4-FFF2-40B4-BE49-F238E27FC236}">
+                <a16:creationId xmlns:a16="http://schemas.microsoft.com/office/drawing/2014/main" id="{6573CEAB-C668-F0F7-5FFE-9F3EB692E2A4}"/>
+              </a:ext>
+            </a:extLst>
+          </p:cNvPr>
+          <p:cNvSpPr txBox="1"/>
+          <p:nvPr/>
+        </p:nvSpPr>
+        <p:spPr>
+          <a:xfrm>
+            <a:off x="228600" y="68818"/>
+            <a:ext cx="6172200" cy="369332"/>
+          </a:xfrm>
+          <a:prstGeom prst="rect">
+            <a:avLst/>
+          </a:prstGeom>
+          <a:noFill/>
+        </p:spPr>
+        <p:txBody>
+          <a:bodyPr wrap="square">
+            <a:spAutoFit/>
+          </a:bodyPr>
+          <a:lstStyle/>
+          <a:p>
+            <a:r>
+              <a:rPr lang="en-US" b="1" dirty="0"/>
+              <a:t>Boxplot: For Detecting outliers.</a:t>
+            </a:r>
+          </a:p>
+        </p:txBody>
+      </p:sp>
+    </p:spTree>
+    <p:extLst>
+      <p:ext uri="{BB962C8B-B14F-4D97-AF65-F5344CB8AC3E}">
+        <p14:creationId xmlns:p14="http://schemas.microsoft.com/office/powerpoint/2010/main" val="1037695699"/>
+      </p:ext>
+    </p:extLst>
+  </p:cSld>
+  <p:clrMapOvr>
+    <a:masterClrMapping/>
+  </p:clrMapOvr>
+</p:sld>
+</file>
+
+<file path=ppt/slides/slide9.xml><?xml version="1.0" encoding="utf-8"?>
+<p:sld xmlns:a="http://schemas.openxmlformats.org/drawingml/2006/main" xmlns:r="http://schemas.openxmlformats.org/officeDocument/2006/relationships" xmlns:p="http://schemas.openxmlformats.org/presentationml/2006/main">
+  <p:cSld>
+    <p:spTree>
+      <p:nvGrpSpPr>
+        <p:cNvPr id="1" name=""/>
+        <p:cNvGrpSpPr/>
+        <p:nvPr/>
+      </p:nvGrpSpPr>
+      <p:grpSpPr>
+        <a:xfrm>
+          <a:off x="0" y="0"/>
+          <a:ext cx="0" cy="0"/>
+          <a:chOff x="0" y="0"/>
+          <a:chExt cx="0" cy="0"/>
+        </a:xfrm>
+      </p:grpSpPr>
+      <p:pic>
+        <p:nvPicPr>
+          <p:cNvPr id="3" name="Picture 2">
+            <a:extLst>
+              <a:ext uri="{FF2B5EF4-FFF2-40B4-BE49-F238E27FC236}">
+                <a16:creationId xmlns:a16="http://schemas.microsoft.com/office/drawing/2014/main" id="{7A596AAD-49F1-3C35-9AED-466049550B9B}"/>
+              </a:ext>
+            </a:extLst>
+          </p:cNvPr>
+          <p:cNvPicPr>
+            <a:picLocks noChangeAspect="1"/>
+          </p:cNvPicPr>
+          <p:nvPr/>
+        </p:nvPicPr>
+        <p:blipFill>
+          <a:blip r:embed="rId2">
+            <a:extLst>
+              <a:ext uri="{28A0092B-C50C-407E-A947-70E740481C1C}">
+                <a14:useLocalDpi xmlns:a14="http://schemas.microsoft.com/office/drawing/2010/main" val="0"/>
+              </a:ext>
+            </a:extLst>
+          </a:blip>
+          <a:stretch>
+            <a:fillRect/>
+          </a:stretch>
+        </p:blipFill>
+        <p:spPr>
+          <a:xfrm>
+            <a:off x="381000" y="742950"/>
+            <a:ext cx="8229600" cy="4191000"/>
+          </a:xfrm>
+          <a:prstGeom prst="rect">
+            <a:avLst/>
+          </a:prstGeom>
+        </p:spPr>
+      </p:pic>
+      <p:sp>
+        <p:nvSpPr>
+          <p:cNvPr id="4" name="TextBox 3">
+            <a:extLst>
+              <a:ext uri="{FF2B5EF4-FFF2-40B4-BE49-F238E27FC236}">
+                <a16:creationId xmlns:a16="http://schemas.microsoft.com/office/drawing/2014/main" id="{3867E3A1-876A-0C3D-2068-5ED2A756C1CD}"/>
+              </a:ext>
+            </a:extLst>
+          </p:cNvPr>
+          <p:cNvSpPr txBox="1"/>
+          <p:nvPr/>
+        </p:nvSpPr>
+        <p:spPr>
+          <a:xfrm>
+            <a:off x="304800" y="285750"/>
+            <a:ext cx="7019870" cy="369332"/>
+          </a:xfrm>
+          <a:prstGeom prst="rect">
+            <a:avLst/>
+          </a:prstGeom>
+          <a:noFill/>
+        </p:spPr>
+        <p:txBody>
+          <a:bodyPr wrap="none" rtlCol="0">
+            <a:spAutoFit/>
+          </a:bodyPr>
+          <a:lstStyle/>
+          <a:p>
+            <a:r>
+              <a:rPr lang="en-IN" b="1" dirty="0"/>
+              <a:t>Scatter Plot for Relationship between Energy and Danceability</a:t>
+            </a:r>
+          </a:p>
+        </p:txBody>
+      </p:sp>
+    </p:spTree>
+    <p:extLst>
+      <p:ext uri="{BB962C8B-B14F-4D97-AF65-F5344CB8AC3E}">
+        <p14:creationId xmlns:p14="http://schemas.microsoft.com/office/powerpoint/2010/main" val="582094980"/>
+      </p:ext>
+    </p:extLst>
   </p:cSld>
   <p:clrMapOvr>
     <a:masterClrMapping/>

--- a/Project/Music_Recommendation_Review-1.pptx
+++ b/Project/Music_Recommendation_Review-1.pptx
@@ -15,7 +15,9 @@
     <p:sldId id="263" r:id="rId9"/>
     <p:sldId id="264" r:id="rId10"/>
     <p:sldId id="265" r:id="rId11"/>
-    <p:sldId id="266" r:id="rId12"/>
+    <p:sldId id="267" r:id="rId12"/>
+    <p:sldId id="268" r:id="rId13"/>
+    <p:sldId id="266" r:id="rId14"/>
   </p:sldIdLst>
   <p:sldSz cx="9144000" cy="5143500" type="screen16x9"/>
   <p:notesSz cx="9144000" cy="5143500"/>
@@ -194,7 +196,7 @@
           <a:p>
             <a:fld id="{1D8BD707-D9CF-40AE-B4C6-C98DA3205C09}" type="datetimeFigureOut">
               <a:rPr lang="en-US"/>
-              <a:t>3/4/2025</a:t>
+              <a:t>3/12/2025</a:t>
             </a:fld>
             <a:endParaRPr lang="en-US"/>
           </a:p>
@@ -371,7 +373,7 @@
           <a:p>
             <a:fld id="{1D8BD707-D9CF-40AE-B4C6-C98DA3205C09}" type="datetimeFigureOut">
               <a:rPr lang="en-US"/>
-              <a:t>3/4/2025</a:t>
+              <a:t>3/12/2025</a:t>
             </a:fld>
             <a:endParaRPr lang="en-US"/>
           </a:p>
@@ -585,7 +587,7 @@
           <a:p>
             <a:fld id="{1D8BD707-D9CF-40AE-B4C6-C98DA3205C09}" type="datetimeFigureOut">
               <a:rPr lang="en-US"/>
-              <a:t>3/4/2025</a:t>
+              <a:t>3/12/2025</a:t>
             </a:fld>
             <a:endParaRPr lang="en-US"/>
           </a:p>
@@ -733,7 +735,7 @@
           <a:p>
             <a:fld id="{1D8BD707-D9CF-40AE-B4C6-C98DA3205C09}" type="datetimeFigureOut">
               <a:rPr lang="en-US"/>
-              <a:t>3/4/2025</a:t>
+              <a:t>3/12/2025</a:t>
             </a:fld>
             <a:endParaRPr lang="en-US"/>
           </a:p>
@@ -852,7 +854,7 @@
           <a:p>
             <a:fld id="{1D8BD707-D9CF-40AE-B4C6-C98DA3205C09}" type="datetimeFigureOut">
               <a:rPr lang="en-US"/>
-              <a:t>3/4/2025</a:t>
+              <a:t>3/12/2025</a:t>
             </a:fld>
             <a:endParaRPr lang="en-US"/>
           </a:p>
@@ -1099,7 +1101,7 @@
           <a:p>
             <a:fld id="{1D8BD707-D9CF-40AE-B4C6-C98DA3205C09}" type="datetimeFigureOut">
               <a:rPr lang="en-US"/>
-              <a:t>3/4/2025</a:t>
+              <a:t>3/12/2025</a:t>
             </a:fld>
             <a:endParaRPr lang="en-US"/>
           </a:p>
@@ -1982,12 +1984,48 @@
           <a:chExt cx="0" cy="0"/>
         </a:xfrm>
       </p:grpSpPr>
+      <p:sp>
+        <p:nvSpPr>
+          <p:cNvPr id="2" name="TextBox 1">
+            <a:extLst>
+              <a:ext uri="{FF2B5EF4-FFF2-40B4-BE49-F238E27FC236}">
+                <a16:creationId xmlns:a16="http://schemas.microsoft.com/office/drawing/2014/main" id="{679B2567-A6E6-869A-F101-750DB55A37ED}"/>
+              </a:ext>
+            </a:extLst>
+          </p:cNvPr>
+          <p:cNvSpPr txBox="1"/>
+          <p:nvPr/>
+        </p:nvSpPr>
+        <p:spPr>
+          <a:xfrm>
+            <a:off x="457200" y="285750"/>
+            <a:ext cx="3211135" cy="369332"/>
+          </a:xfrm>
+          <a:prstGeom prst="rect">
+            <a:avLst/>
+          </a:prstGeom>
+          <a:noFill/>
+        </p:spPr>
+        <p:txBody>
+          <a:bodyPr wrap="none" rtlCol="0">
+            <a:spAutoFit/>
+          </a:bodyPr>
+          <a:lstStyle/>
+          <a:p>
+            <a:r>
+              <a:rPr lang="en-US" b="1" dirty="0"/>
+              <a:t>Numerical Features Scaling</a:t>
+            </a:r>
+            <a:endParaRPr lang="en-IN" b="1" dirty="0"/>
+          </a:p>
+        </p:txBody>
+      </p:sp>
       <p:pic>
         <p:nvPicPr>
-          <p:cNvPr id="6" name="Picture 5">
+          <p:cNvPr id="4" name="Picture 3">
             <a:extLst>
               <a:ext uri="{FF2B5EF4-FFF2-40B4-BE49-F238E27FC236}">
-                <a16:creationId xmlns:a16="http://schemas.microsoft.com/office/drawing/2014/main" id="{84C1EE62-DA32-FD84-5BD1-56E05791A7EB}"/>
+                <a16:creationId xmlns:a16="http://schemas.microsoft.com/office/drawing/2014/main" id="{D8376F56-3FA1-BB76-49B3-B4AF3A41A55B}"/>
               </a:ext>
             </a:extLst>
           </p:cNvPr>
@@ -2010,8 +2048,8 @@
         </p:blipFill>
         <p:spPr>
           <a:xfrm>
-            <a:off x="381000" y="196342"/>
-            <a:ext cx="8077200" cy="4750815"/>
+            <a:off x="457200" y="819150"/>
+            <a:ext cx="8001000" cy="3886200"/>
           </a:xfrm>
           <a:prstGeom prst="rect">
             <a:avLst/>
@@ -2032,6 +2070,677 @@
 </file>
 
 <file path=ppt/slides/slide11.xml><?xml version="1.0" encoding="utf-8"?>
+<p:sld xmlns:a="http://schemas.openxmlformats.org/drawingml/2006/main" xmlns:r="http://schemas.openxmlformats.org/officeDocument/2006/relationships" xmlns:p="http://schemas.openxmlformats.org/presentationml/2006/main">
+  <p:cSld>
+    <p:spTree>
+      <p:nvGrpSpPr>
+        <p:cNvPr id="1" name=""/>
+        <p:cNvGrpSpPr/>
+        <p:nvPr/>
+      </p:nvGrpSpPr>
+      <p:grpSpPr>
+        <a:xfrm>
+          <a:off x="0" y="0"/>
+          <a:ext cx="0" cy="0"/>
+          <a:chOff x="0" y="0"/>
+          <a:chExt cx="0" cy="0"/>
+        </a:xfrm>
+      </p:grpSpPr>
+      <p:pic>
+        <p:nvPicPr>
+          <p:cNvPr id="3" name="Picture 2">
+            <a:extLst>
+              <a:ext uri="{FF2B5EF4-FFF2-40B4-BE49-F238E27FC236}">
+                <a16:creationId xmlns:a16="http://schemas.microsoft.com/office/drawing/2014/main" id="{CD5345E6-CFA1-67F8-9925-E19E6922A76C}"/>
+              </a:ext>
+            </a:extLst>
+          </p:cNvPr>
+          <p:cNvPicPr>
+            <a:picLocks noChangeAspect="1"/>
+          </p:cNvPicPr>
+          <p:nvPr/>
+        </p:nvPicPr>
+        <p:blipFill>
+          <a:blip r:embed="rId2"/>
+          <a:stretch>
+            <a:fillRect/>
+          </a:stretch>
+        </p:blipFill>
+        <p:spPr>
+          <a:xfrm>
+            <a:off x="247015" y="742950"/>
+            <a:ext cx="8363585" cy="1066800"/>
+          </a:xfrm>
+          <a:prstGeom prst="rect">
+            <a:avLst/>
+          </a:prstGeom>
+        </p:spPr>
+      </p:pic>
+      <p:sp>
+        <p:nvSpPr>
+          <p:cNvPr id="5" name="TextBox 4">
+            <a:extLst>
+              <a:ext uri="{FF2B5EF4-FFF2-40B4-BE49-F238E27FC236}">
+                <a16:creationId xmlns:a16="http://schemas.microsoft.com/office/drawing/2014/main" id="{F9990F94-5130-3AE2-820B-091AAECAB752}"/>
+              </a:ext>
+            </a:extLst>
+          </p:cNvPr>
+          <p:cNvSpPr txBox="1"/>
+          <p:nvPr/>
+        </p:nvSpPr>
+        <p:spPr>
+          <a:xfrm>
+            <a:off x="228600" y="285750"/>
+            <a:ext cx="4572000" cy="369332"/>
+          </a:xfrm>
+          <a:prstGeom prst="rect">
+            <a:avLst/>
+          </a:prstGeom>
+          <a:noFill/>
+        </p:spPr>
+        <p:txBody>
+          <a:bodyPr wrap="square">
+            <a:spAutoFit/>
+          </a:bodyPr>
+          <a:lstStyle/>
+          <a:p>
+            <a:r>
+              <a:rPr lang="en-IN" b="1" dirty="0"/>
+              <a:t>Initializing Nearest Neighbours model</a:t>
+            </a:r>
+          </a:p>
+        </p:txBody>
+      </p:sp>
+      <p:sp>
+        <p:nvSpPr>
+          <p:cNvPr id="10" name="TextBox 9">
+            <a:extLst>
+              <a:ext uri="{FF2B5EF4-FFF2-40B4-BE49-F238E27FC236}">
+                <a16:creationId xmlns:a16="http://schemas.microsoft.com/office/drawing/2014/main" id="{797287B0-D389-5D0B-8056-EFE8F2D0905A}"/>
+              </a:ext>
+            </a:extLst>
+          </p:cNvPr>
+          <p:cNvSpPr txBox="1"/>
+          <p:nvPr/>
+        </p:nvSpPr>
+        <p:spPr>
+          <a:xfrm>
+            <a:off x="228600" y="2058308"/>
+            <a:ext cx="8534400" cy="2554545"/>
+          </a:xfrm>
+          <a:prstGeom prst="rect">
+            <a:avLst/>
+          </a:prstGeom>
+          <a:noFill/>
+        </p:spPr>
+        <p:txBody>
+          <a:bodyPr wrap="square">
+            <a:spAutoFit/>
+          </a:bodyPr>
+          <a:lstStyle/>
+          <a:p>
+            <a:pPr marL="342900" marR="0" lvl="0" indent="-342900" algn="l" defTabSz="914400" rtl="0" eaLnBrk="0" fontAlgn="base" latinLnBrk="0" hangingPunct="0">
+              <a:lnSpc>
+                <a:spcPct val="100000"/>
+              </a:lnSpc>
+              <a:spcBef>
+                <a:spcPct val="0"/>
+              </a:spcBef>
+              <a:spcAft>
+                <a:spcPct val="0"/>
+              </a:spcAft>
+              <a:buClrTx/>
+              <a:buSzTx/>
+              <a:buFont typeface="Wingdings" panose="05000000000000000000" pitchFamily="2" charset="2"/>
+              <a:buChar char="q"/>
+              <a:tabLst/>
+            </a:pPr>
+            <a:r>
+              <a:rPr kumimoji="0" lang="en-US" altLang="en-US" sz="2000" b="0" i="0" u="none" strike="noStrike" cap="none" normalizeH="0" baseline="0" dirty="0">
+                <a:ln>
+                  <a:noFill/>
+                </a:ln>
+                <a:solidFill>
+                  <a:schemeClr val="tx1"/>
+                </a:solidFill>
+                <a:effectLst/>
+                <a:latin typeface="Times New Roman" panose="02020603050405020304" pitchFamily="18" charset="0"/>
+                <a:cs typeface="Times New Roman" panose="02020603050405020304" pitchFamily="18" charset="0"/>
+              </a:rPr>
+              <a:t>This </a:t>
+            </a:r>
+            <a:r>
+              <a:rPr kumimoji="0" lang="en-US" altLang="en-US" sz="2000" b="1" i="0" u="none" strike="noStrike" cap="none" normalizeH="0" baseline="0" dirty="0" err="1">
+                <a:ln>
+                  <a:noFill/>
+                </a:ln>
+                <a:solidFill>
+                  <a:schemeClr val="tx1"/>
+                </a:solidFill>
+                <a:effectLst/>
+                <a:latin typeface="Times New Roman" panose="02020603050405020304" pitchFamily="18" charset="0"/>
+                <a:cs typeface="Times New Roman" panose="02020603050405020304" pitchFamily="18" charset="0"/>
+              </a:rPr>
+              <a:t>NearestNeighbors</a:t>
+            </a:r>
+            <a:r>
+              <a:rPr kumimoji="0" lang="en-US" altLang="en-US" sz="2000" b="0" i="0" u="none" strike="noStrike" cap="none" normalizeH="0" baseline="0" dirty="0">
+                <a:ln>
+                  <a:noFill/>
+                </a:ln>
+                <a:solidFill>
+                  <a:schemeClr val="tx1"/>
+                </a:solidFill>
+                <a:effectLst/>
+                <a:latin typeface="Times New Roman" panose="02020603050405020304" pitchFamily="18" charset="0"/>
+                <a:cs typeface="Times New Roman" panose="02020603050405020304" pitchFamily="18" charset="0"/>
+              </a:rPr>
+              <a:t> model from </a:t>
+            </a:r>
+            <a:r>
+              <a:rPr kumimoji="0" lang="en-US" altLang="en-US" sz="2000" b="1" i="0" u="none" strike="noStrike" cap="none" normalizeH="0" baseline="0" dirty="0" err="1">
+                <a:ln>
+                  <a:noFill/>
+                </a:ln>
+                <a:solidFill>
+                  <a:schemeClr val="tx1"/>
+                </a:solidFill>
+                <a:effectLst/>
+                <a:latin typeface="Times New Roman" panose="02020603050405020304" pitchFamily="18" charset="0"/>
+                <a:cs typeface="Times New Roman" panose="02020603050405020304" pitchFamily="18" charset="0"/>
+              </a:rPr>
+              <a:t>sklearn.neighbors</a:t>
+            </a:r>
+            <a:r>
+              <a:rPr kumimoji="0" lang="en-US" altLang="en-US" sz="2000" b="1" i="0" u="none" strike="noStrike" cap="none" normalizeH="0" baseline="0" dirty="0">
+                <a:ln>
+                  <a:noFill/>
+                </a:ln>
+                <a:solidFill>
+                  <a:schemeClr val="tx1"/>
+                </a:solidFill>
+                <a:effectLst/>
+                <a:latin typeface="Times New Roman" panose="02020603050405020304" pitchFamily="18" charset="0"/>
+                <a:cs typeface="Times New Roman" panose="02020603050405020304" pitchFamily="18" charset="0"/>
+              </a:rPr>
+              <a:t> </a:t>
+            </a:r>
+            <a:r>
+              <a:rPr kumimoji="0" lang="en-US" altLang="en-US" sz="2000" b="0" i="0" u="none" strike="noStrike" cap="none" normalizeH="0" baseline="0" dirty="0">
+                <a:ln>
+                  <a:noFill/>
+                </a:ln>
+                <a:solidFill>
+                  <a:schemeClr val="tx1"/>
+                </a:solidFill>
+                <a:effectLst/>
+                <a:latin typeface="Times New Roman" panose="02020603050405020304" pitchFamily="18" charset="0"/>
+                <a:cs typeface="Times New Roman" panose="02020603050405020304" pitchFamily="18" charset="0"/>
+              </a:rPr>
+              <a:t>finds </a:t>
+            </a:r>
+            <a:r>
+              <a:rPr kumimoji="0" lang="en-US" altLang="en-US" sz="2000" b="1" i="0" u="none" strike="noStrike" cap="none" normalizeH="0" baseline="0" dirty="0">
+                <a:ln>
+                  <a:noFill/>
+                </a:ln>
+                <a:solidFill>
+                  <a:schemeClr val="tx1"/>
+                </a:solidFill>
+                <a:effectLst/>
+                <a:latin typeface="Times New Roman" panose="02020603050405020304" pitchFamily="18" charset="0"/>
+                <a:cs typeface="Times New Roman" panose="02020603050405020304" pitchFamily="18" charset="0"/>
+              </a:rPr>
+              <a:t>similar songs</a:t>
+            </a:r>
+            <a:r>
+              <a:rPr kumimoji="0" lang="en-US" altLang="en-US" sz="2000" b="0" i="0" u="none" strike="noStrike" cap="none" normalizeH="0" baseline="0" dirty="0">
+                <a:ln>
+                  <a:noFill/>
+                </a:ln>
+                <a:solidFill>
+                  <a:schemeClr val="tx1"/>
+                </a:solidFill>
+                <a:effectLst/>
+                <a:latin typeface="Times New Roman" panose="02020603050405020304" pitchFamily="18" charset="0"/>
+                <a:cs typeface="Times New Roman" panose="02020603050405020304" pitchFamily="18" charset="0"/>
+              </a:rPr>
+              <a:t> based on numerical features in </a:t>
+            </a:r>
+            <a:r>
+              <a:rPr kumimoji="0" lang="en-US" altLang="en-US" sz="2000" b="1" i="0" u="none" strike="noStrike" cap="none" normalizeH="0" baseline="0" dirty="0" err="1">
+                <a:ln>
+                  <a:noFill/>
+                </a:ln>
+                <a:solidFill>
+                  <a:schemeClr val="tx1"/>
+                </a:solidFill>
+                <a:effectLst/>
+                <a:latin typeface="Times New Roman" panose="02020603050405020304" pitchFamily="18" charset="0"/>
+                <a:cs typeface="Times New Roman" panose="02020603050405020304" pitchFamily="18" charset="0"/>
+              </a:rPr>
+              <a:t>df_scaled</a:t>
+            </a:r>
+            <a:r>
+              <a:rPr kumimoji="0" lang="en-US" altLang="en-US" sz="2000" b="0" i="0" u="none" strike="noStrike" cap="none" normalizeH="0" baseline="0" dirty="0">
+                <a:ln>
+                  <a:noFill/>
+                </a:ln>
+                <a:solidFill>
+                  <a:schemeClr val="tx1"/>
+                </a:solidFill>
+                <a:effectLst/>
+                <a:latin typeface="Times New Roman" panose="02020603050405020304" pitchFamily="18" charset="0"/>
+                <a:cs typeface="Times New Roman" panose="02020603050405020304" pitchFamily="18" charset="0"/>
+              </a:rPr>
+              <a:t>.</a:t>
+            </a:r>
+          </a:p>
+          <a:p>
+            <a:pPr marL="342900" marR="0" lvl="0" indent="-342900" algn="l" defTabSz="914400" rtl="0" eaLnBrk="0" fontAlgn="base" latinLnBrk="0" hangingPunct="0">
+              <a:lnSpc>
+                <a:spcPct val="100000"/>
+              </a:lnSpc>
+              <a:spcBef>
+                <a:spcPct val="0"/>
+              </a:spcBef>
+              <a:spcAft>
+                <a:spcPct val="0"/>
+              </a:spcAft>
+              <a:buClrTx/>
+              <a:buSzTx/>
+              <a:buFont typeface="Wingdings" panose="05000000000000000000" pitchFamily="2" charset="2"/>
+              <a:buChar char="q"/>
+              <a:tabLst/>
+            </a:pPr>
+            <a:r>
+              <a:rPr kumimoji="0" lang="en-US" altLang="en-US" sz="2000" b="0" i="0" u="none" strike="noStrike" cap="none" normalizeH="0" baseline="0" dirty="0">
+                <a:ln>
+                  <a:noFill/>
+                </a:ln>
+                <a:solidFill>
+                  <a:schemeClr val="tx1"/>
+                </a:solidFill>
+                <a:effectLst/>
+                <a:latin typeface="Times New Roman" panose="02020603050405020304" pitchFamily="18" charset="0"/>
+                <a:cs typeface="Times New Roman" panose="02020603050405020304" pitchFamily="18" charset="0"/>
+              </a:rPr>
+              <a:t>Uses </a:t>
+            </a:r>
+            <a:r>
+              <a:rPr kumimoji="0" lang="en-US" altLang="en-US" sz="2000" b="1" i="0" u="none" strike="noStrike" cap="none" normalizeH="0" baseline="0" dirty="0">
+                <a:ln>
+                  <a:noFill/>
+                </a:ln>
+                <a:solidFill>
+                  <a:schemeClr val="tx1"/>
+                </a:solidFill>
+                <a:effectLst/>
+                <a:latin typeface="Times New Roman" panose="02020603050405020304" pitchFamily="18" charset="0"/>
+                <a:cs typeface="Times New Roman" panose="02020603050405020304" pitchFamily="18" charset="0"/>
+              </a:rPr>
+              <a:t>cosine similarity</a:t>
+            </a:r>
+            <a:r>
+              <a:rPr kumimoji="0" lang="en-US" altLang="en-US" sz="2000" b="0" i="0" u="none" strike="noStrike" cap="none" normalizeH="0" baseline="0" dirty="0">
+                <a:ln>
+                  <a:noFill/>
+                </a:ln>
+                <a:solidFill>
+                  <a:schemeClr val="tx1"/>
+                </a:solidFill>
+                <a:effectLst/>
+                <a:latin typeface="Times New Roman" panose="02020603050405020304" pitchFamily="18" charset="0"/>
+                <a:cs typeface="Times New Roman" panose="02020603050405020304" pitchFamily="18" charset="0"/>
+              </a:rPr>
+              <a:t> to measure song similarity by comparing feature vector angles. </a:t>
+            </a:r>
+          </a:p>
+          <a:p>
+            <a:pPr marL="342900" marR="0" lvl="0" indent="-342900" algn="l" defTabSz="914400" rtl="0" eaLnBrk="0" fontAlgn="base" latinLnBrk="0" hangingPunct="0">
+              <a:lnSpc>
+                <a:spcPct val="100000"/>
+              </a:lnSpc>
+              <a:spcBef>
+                <a:spcPct val="0"/>
+              </a:spcBef>
+              <a:spcAft>
+                <a:spcPct val="0"/>
+              </a:spcAft>
+              <a:buClrTx/>
+              <a:buSzTx/>
+              <a:buFont typeface="Wingdings" panose="05000000000000000000" pitchFamily="2" charset="2"/>
+              <a:buChar char="q"/>
+              <a:tabLst/>
+            </a:pPr>
+            <a:r>
+              <a:rPr kumimoji="0" lang="en-US" altLang="en-US" sz="2000" b="0" i="0" u="none" strike="noStrike" cap="none" normalizeH="0" baseline="0" dirty="0">
+                <a:ln>
+                  <a:noFill/>
+                </a:ln>
+                <a:solidFill>
+                  <a:schemeClr val="tx1"/>
+                </a:solidFill>
+                <a:effectLst/>
+                <a:latin typeface="Times New Roman" panose="02020603050405020304" pitchFamily="18" charset="0"/>
+                <a:cs typeface="Times New Roman" panose="02020603050405020304" pitchFamily="18" charset="0"/>
+              </a:rPr>
+              <a:t>Searches for </a:t>
+            </a:r>
+            <a:r>
+              <a:rPr kumimoji="0" lang="en-US" altLang="en-US" sz="2000" b="1" i="0" u="none" strike="noStrike" cap="none" normalizeH="0" baseline="0" dirty="0">
+                <a:ln>
+                  <a:noFill/>
+                </a:ln>
+                <a:solidFill>
+                  <a:schemeClr val="tx1"/>
+                </a:solidFill>
+                <a:effectLst/>
+                <a:latin typeface="Times New Roman" panose="02020603050405020304" pitchFamily="18" charset="0"/>
+                <a:cs typeface="Times New Roman" panose="02020603050405020304" pitchFamily="18" charset="0"/>
+              </a:rPr>
+              <a:t>6 nearest neighbors</a:t>
+            </a:r>
+            <a:r>
+              <a:rPr kumimoji="0" lang="en-US" altLang="en-US" sz="2000" b="0" i="0" u="none" strike="noStrike" cap="none" normalizeH="0" baseline="0" dirty="0">
+                <a:ln>
+                  <a:noFill/>
+                </a:ln>
+                <a:solidFill>
+                  <a:schemeClr val="tx1"/>
+                </a:solidFill>
+                <a:effectLst/>
+                <a:latin typeface="Times New Roman" panose="02020603050405020304" pitchFamily="18" charset="0"/>
+                <a:cs typeface="Times New Roman" panose="02020603050405020304" pitchFamily="18" charset="0"/>
+              </a:rPr>
+              <a:t> (1 input song + 5 most similar songs). </a:t>
+            </a:r>
+          </a:p>
+          <a:p>
+            <a:pPr marL="342900" marR="0" lvl="0" indent="-342900" algn="l" defTabSz="914400" rtl="0" eaLnBrk="0" fontAlgn="base" latinLnBrk="0" hangingPunct="0">
+              <a:lnSpc>
+                <a:spcPct val="100000"/>
+              </a:lnSpc>
+              <a:spcBef>
+                <a:spcPct val="0"/>
+              </a:spcBef>
+              <a:spcAft>
+                <a:spcPct val="0"/>
+              </a:spcAft>
+              <a:buClrTx/>
+              <a:buSzTx/>
+              <a:buFont typeface="Wingdings" panose="05000000000000000000" pitchFamily="2" charset="2"/>
+              <a:buChar char="q"/>
+              <a:tabLst/>
+            </a:pPr>
+            <a:r>
+              <a:rPr kumimoji="0" lang="en-US" altLang="en-US" sz="2000" b="0" i="0" u="none" strike="noStrike" cap="none" normalizeH="0" baseline="0" dirty="0">
+                <a:ln>
+                  <a:noFill/>
+                </a:ln>
+                <a:solidFill>
+                  <a:schemeClr val="tx1"/>
+                </a:solidFill>
+                <a:effectLst/>
+                <a:latin typeface="Times New Roman" panose="02020603050405020304" pitchFamily="18" charset="0"/>
+                <a:cs typeface="Times New Roman" panose="02020603050405020304" pitchFamily="18" charset="0"/>
+              </a:rPr>
+              <a:t>Works with </a:t>
+            </a:r>
+            <a:r>
+              <a:rPr kumimoji="0" lang="en-US" altLang="en-US" sz="2000" b="1" i="0" u="none" strike="noStrike" cap="none" normalizeH="0" baseline="0" dirty="0">
+                <a:ln>
+                  <a:noFill/>
+                </a:ln>
+                <a:solidFill>
+                  <a:schemeClr val="tx1"/>
+                </a:solidFill>
+                <a:effectLst/>
+                <a:latin typeface="Times New Roman" panose="02020603050405020304" pitchFamily="18" charset="0"/>
+                <a:cs typeface="Times New Roman" panose="02020603050405020304" pitchFamily="18" charset="0"/>
+              </a:rPr>
+              <a:t>scaled numerical features</a:t>
+            </a:r>
+            <a:r>
+              <a:rPr kumimoji="0" lang="en-US" altLang="en-US" sz="2000" b="0" i="0" u="none" strike="noStrike" cap="none" normalizeH="0" baseline="0" dirty="0">
+                <a:ln>
+                  <a:noFill/>
+                </a:ln>
+                <a:solidFill>
+                  <a:schemeClr val="tx1"/>
+                </a:solidFill>
+                <a:effectLst/>
+                <a:latin typeface="Times New Roman" panose="02020603050405020304" pitchFamily="18" charset="0"/>
+                <a:cs typeface="Times New Roman" panose="02020603050405020304" pitchFamily="18" charset="0"/>
+              </a:rPr>
+              <a:t> like </a:t>
+            </a:r>
+            <a:r>
+              <a:rPr kumimoji="0" lang="en-US" altLang="en-US" sz="2000" b="1" i="0" u="none" strike="noStrike" cap="none" normalizeH="0" baseline="0" dirty="0" err="1">
+                <a:ln>
+                  <a:noFill/>
+                </a:ln>
+                <a:solidFill>
+                  <a:schemeClr val="tx1"/>
+                </a:solidFill>
+                <a:effectLst/>
+                <a:latin typeface="Times New Roman" panose="02020603050405020304" pitchFamily="18" charset="0"/>
+                <a:cs typeface="Times New Roman" panose="02020603050405020304" pitchFamily="18" charset="0"/>
+              </a:rPr>
+              <a:t>acousticness</a:t>
+            </a:r>
+            <a:r>
+              <a:rPr kumimoji="0" lang="en-US" altLang="en-US" sz="2000" b="1" i="0" u="none" strike="noStrike" cap="none" normalizeH="0" baseline="0" dirty="0">
+                <a:ln>
+                  <a:noFill/>
+                </a:ln>
+                <a:solidFill>
+                  <a:schemeClr val="tx1"/>
+                </a:solidFill>
+                <a:effectLst/>
+                <a:latin typeface="Times New Roman" panose="02020603050405020304" pitchFamily="18" charset="0"/>
+                <a:cs typeface="Times New Roman" panose="02020603050405020304" pitchFamily="18" charset="0"/>
+              </a:rPr>
+              <a:t>, energy, tempo, </a:t>
+            </a:r>
+            <a:r>
+              <a:rPr kumimoji="0" lang="en-US" altLang="en-US" sz="2000" b="1" i="0" u="none" strike="noStrike" cap="none" normalizeH="0" baseline="0" dirty="0" err="1">
+                <a:ln>
+                  <a:noFill/>
+                </a:ln>
+                <a:solidFill>
+                  <a:schemeClr val="tx1"/>
+                </a:solidFill>
+                <a:effectLst/>
+                <a:latin typeface="Times New Roman" panose="02020603050405020304" pitchFamily="18" charset="0"/>
+                <a:cs typeface="Times New Roman" panose="02020603050405020304" pitchFamily="18" charset="0"/>
+              </a:rPr>
+              <a:t>speechiness</a:t>
+            </a:r>
+            <a:r>
+              <a:rPr kumimoji="0" lang="en-US" altLang="en-US" sz="2000" b="1" i="0" u="none" strike="noStrike" cap="none" normalizeH="0" baseline="0" dirty="0">
+                <a:ln>
+                  <a:noFill/>
+                </a:ln>
+                <a:solidFill>
+                  <a:schemeClr val="tx1"/>
+                </a:solidFill>
+                <a:effectLst/>
+                <a:latin typeface="Times New Roman" panose="02020603050405020304" pitchFamily="18" charset="0"/>
+                <a:cs typeface="Times New Roman" panose="02020603050405020304" pitchFamily="18" charset="0"/>
+              </a:rPr>
+              <a:t>, and </a:t>
+            </a:r>
+            <a:r>
+              <a:rPr kumimoji="0" lang="en-US" altLang="en-US" sz="2000" b="1" i="0" u="none" strike="noStrike" cap="none" normalizeH="0" baseline="0" dirty="0" err="1">
+                <a:ln>
+                  <a:noFill/>
+                </a:ln>
+                <a:solidFill>
+                  <a:schemeClr val="tx1"/>
+                </a:solidFill>
+                <a:effectLst/>
+                <a:latin typeface="Times New Roman" panose="02020603050405020304" pitchFamily="18" charset="0"/>
+                <a:cs typeface="Times New Roman" panose="02020603050405020304" pitchFamily="18" charset="0"/>
+              </a:rPr>
+              <a:t>instrumentalness</a:t>
+            </a:r>
+            <a:r>
+              <a:rPr kumimoji="0" lang="en-US" altLang="en-US" sz="2000" b="0" i="0" u="none" strike="noStrike" cap="none" normalizeH="0" baseline="0" dirty="0">
+                <a:ln>
+                  <a:noFill/>
+                </a:ln>
+                <a:solidFill>
+                  <a:schemeClr val="tx1"/>
+                </a:solidFill>
+                <a:effectLst/>
+                <a:latin typeface="Times New Roman" panose="02020603050405020304" pitchFamily="18" charset="0"/>
+                <a:cs typeface="Times New Roman" panose="02020603050405020304" pitchFamily="18" charset="0"/>
+              </a:rPr>
+              <a:t> for accurate recommendations.</a:t>
+            </a:r>
+          </a:p>
+          <a:p>
+            <a:pPr marL="342900" marR="0" lvl="0" indent="-342900" algn="l" defTabSz="914400" rtl="0" eaLnBrk="0" fontAlgn="base" latinLnBrk="0" hangingPunct="0">
+              <a:lnSpc>
+                <a:spcPct val="100000"/>
+              </a:lnSpc>
+              <a:spcBef>
+                <a:spcPct val="0"/>
+              </a:spcBef>
+              <a:spcAft>
+                <a:spcPct val="0"/>
+              </a:spcAft>
+              <a:buClrTx/>
+              <a:buSzTx/>
+              <a:buFont typeface="Wingdings" panose="05000000000000000000" pitchFamily="2" charset="2"/>
+              <a:buChar char="q"/>
+              <a:tabLst/>
+            </a:pPr>
+            <a:endParaRPr kumimoji="0" lang="en-US" altLang="en-US" sz="2000" b="0" i="0" u="none" strike="noStrike" cap="none" normalizeH="0" baseline="0" dirty="0">
+              <a:ln>
+                <a:noFill/>
+              </a:ln>
+              <a:solidFill>
+                <a:schemeClr val="tx1"/>
+              </a:solidFill>
+              <a:effectLst/>
+              <a:latin typeface="Times New Roman" panose="02020603050405020304" pitchFamily="18" charset="0"/>
+              <a:cs typeface="Times New Roman" panose="02020603050405020304" pitchFamily="18" charset="0"/>
+            </a:endParaRPr>
+          </a:p>
+        </p:txBody>
+      </p:sp>
+    </p:spTree>
+    <p:extLst>
+      <p:ext uri="{BB962C8B-B14F-4D97-AF65-F5344CB8AC3E}">
+        <p14:creationId xmlns:p14="http://schemas.microsoft.com/office/powerpoint/2010/main" val="1550860919"/>
+      </p:ext>
+    </p:extLst>
+  </p:cSld>
+  <p:clrMapOvr>
+    <a:masterClrMapping/>
+  </p:clrMapOvr>
+</p:sld>
+</file>
+
+<file path=ppt/slides/slide12.xml><?xml version="1.0" encoding="utf-8"?>
+<p:sld xmlns:a="http://schemas.openxmlformats.org/drawingml/2006/main" xmlns:r="http://schemas.openxmlformats.org/officeDocument/2006/relationships" xmlns:p="http://schemas.openxmlformats.org/presentationml/2006/main">
+  <p:cSld>
+    <p:spTree>
+      <p:nvGrpSpPr>
+        <p:cNvPr id="1" name=""/>
+        <p:cNvGrpSpPr/>
+        <p:nvPr/>
+      </p:nvGrpSpPr>
+      <p:grpSpPr>
+        <a:xfrm>
+          <a:off x="0" y="0"/>
+          <a:ext cx="0" cy="0"/>
+          <a:chOff x="0" y="0"/>
+          <a:chExt cx="0" cy="0"/>
+        </a:xfrm>
+      </p:grpSpPr>
+      <p:pic>
+        <p:nvPicPr>
+          <p:cNvPr id="6" name="Picture 5">
+            <a:extLst>
+              <a:ext uri="{FF2B5EF4-FFF2-40B4-BE49-F238E27FC236}">
+                <a16:creationId xmlns:a16="http://schemas.microsoft.com/office/drawing/2014/main" id="{38626BCE-D8A3-BA13-B6C7-AA904D088F1C}"/>
+              </a:ext>
+            </a:extLst>
+          </p:cNvPr>
+          <p:cNvPicPr>
+            <a:picLocks noChangeAspect="1"/>
+          </p:cNvPicPr>
+          <p:nvPr/>
+        </p:nvPicPr>
+        <p:blipFill>
+          <a:blip r:embed="rId2"/>
+          <a:stretch>
+            <a:fillRect/>
+          </a:stretch>
+        </p:blipFill>
+        <p:spPr>
+          <a:xfrm>
+            <a:off x="381000" y="646362"/>
+            <a:ext cx="7696200" cy="4205882"/>
+          </a:xfrm>
+          <a:prstGeom prst="rect">
+            <a:avLst/>
+          </a:prstGeom>
+        </p:spPr>
+      </p:pic>
+      <p:sp>
+        <p:nvSpPr>
+          <p:cNvPr id="7" name="TextBox 6">
+            <a:extLst>
+              <a:ext uri="{FF2B5EF4-FFF2-40B4-BE49-F238E27FC236}">
+                <a16:creationId xmlns:a16="http://schemas.microsoft.com/office/drawing/2014/main" id="{DA4436F4-9C74-888B-3667-536FB1CF6C75}"/>
+              </a:ext>
+            </a:extLst>
+          </p:cNvPr>
+          <p:cNvSpPr txBox="1"/>
+          <p:nvPr/>
+        </p:nvSpPr>
+        <p:spPr>
+          <a:xfrm>
+            <a:off x="304800" y="133350"/>
+            <a:ext cx="1191352" cy="461665"/>
+          </a:xfrm>
+          <a:prstGeom prst="rect">
+            <a:avLst/>
+          </a:prstGeom>
+          <a:noFill/>
+        </p:spPr>
+        <p:txBody>
+          <a:bodyPr wrap="none" rtlCol="0">
+            <a:spAutoFit/>
+          </a:bodyPr>
+          <a:lstStyle/>
+          <a:p>
+            <a:r>
+              <a:rPr lang="en-US" sz="2400" b="1" dirty="0"/>
+              <a:t>Output</a:t>
+            </a:r>
+            <a:endParaRPr lang="en-IN" sz="2400" b="1" dirty="0"/>
+          </a:p>
+        </p:txBody>
+      </p:sp>
+    </p:spTree>
+    <p:extLst>
+      <p:ext uri="{BB962C8B-B14F-4D97-AF65-F5344CB8AC3E}">
+        <p14:creationId xmlns:p14="http://schemas.microsoft.com/office/powerpoint/2010/main" val="2732068857"/>
+      </p:ext>
+    </p:extLst>
+  </p:cSld>
+  <p:clrMapOvr>
+    <a:masterClrMapping/>
+  </p:clrMapOvr>
+</p:sld>
+</file>
+
+<file path=ppt/slides/slide13.xml><?xml version="1.0" encoding="utf-8"?>
 <p:sld xmlns:a="http://schemas.openxmlformats.org/drawingml/2006/main" xmlns:r="http://schemas.openxmlformats.org/officeDocument/2006/relationships" xmlns:p="http://schemas.openxmlformats.org/presentationml/2006/main">
   <p:cSld>
     <p:spTree>
@@ -4337,42 +5046,134 @@
           </a:p>
         </p:txBody>
       </p:sp>
-      <p:pic>
-        <p:nvPicPr>
-          <p:cNvPr id="6" name="Picture 5">
+      <p:sp>
+        <p:nvSpPr>
+          <p:cNvPr id="5" name="TextBox 4">
             <a:extLst>
               <a:ext uri="{FF2B5EF4-FFF2-40B4-BE49-F238E27FC236}">
-                <a16:creationId xmlns:a16="http://schemas.microsoft.com/office/drawing/2014/main" id="{FC142880-9BE4-5B1A-D8B3-6D54C3A0874D}"/>
+                <a16:creationId xmlns:a16="http://schemas.microsoft.com/office/drawing/2014/main" id="{79724369-BC75-A93D-9F9D-87888A54BD63}"/>
               </a:ext>
             </a:extLst>
           </p:cNvPr>
-          <p:cNvPicPr>
-            <a:picLocks noChangeAspect="1"/>
-          </p:cNvPicPr>
+          <p:cNvSpPr txBox="1"/>
           <p:nvPr/>
-        </p:nvPicPr>
-        <p:blipFill>
-          <a:blip r:embed="rId2">
-            <a:extLst>
-              <a:ext uri="{28A0092B-C50C-407E-A947-70E740481C1C}">
-                <a14:useLocalDpi xmlns:a14="http://schemas.microsoft.com/office/drawing/2010/main" val="0"/>
-              </a:ext>
-            </a:extLst>
-          </a:blip>
-          <a:stretch>
-            <a:fillRect/>
-          </a:stretch>
-        </p:blipFill>
+        </p:nvSpPr>
         <p:spPr>
           <a:xfrm>
-            <a:off x="304800" y="2876551"/>
-            <a:ext cx="8458200" cy="2076698"/>
+            <a:off x="266700" y="2810550"/>
+            <a:ext cx="8420100" cy="1894749"/>
           </a:xfrm>
           <a:prstGeom prst="rect">
             <a:avLst/>
           </a:prstGeom>
+          <a:noFill/>
         </p:spPr>
-      </p:pic>
+        <p:txBody>
+          <a:bodyPr wrap="square">
+            <a:spAutoFit/>
+          </a:bodyPr>
+          <a:lstStyle/>
+          <a:p>
+            <a:pPr marL="285750" indent="-285750">
+              <a:lnSpc>
+                <a:spcPct val="150000"/>
+              </a:lnSpc>
+              <a:buFont typeface="Wingdings" panose="05000000000000000000" pitchFamily="2" charset="2"/>
+              <a:buChar char="q"/>
+            </a:pPr>
+            <a:r>
+              <a:rPr lang="en-US" sz="1600" dirty="0">
+                <a:latin typeface="Times New Roman" panose="02020603050405020304" pitchFamily="18" charset="0"/>
+                <a:cs typeface="Times New Roman" panose="02020603050405020304" pitchFamily="18" charset="0"/>
+              </a:rPr>
+              <a:t>Categorizing music tracks into </a:t>
+            </a:r>
+            <a:r>
+              <a:rPr lang="en-US" sz="1600" b="1" dirty="0">
+                <a:latin typeface="Times New Roman" panose="02020603050405020304" pitchFamily="18" charset="0"/>
+                <a:cs typeface="Times New Roman" panose="02020603050405020304" pitchFamily="18" charset="0"/>
+              </a:rPr>
+              <a:t>Relaxation/Yoga, Devotional, or Other</a:t>
+            </a:r>
+            <a:r>
+              <a:rPr lang="en-US" sz="1600" dirty="0">
+                <a:latin typeface="Times New Roman" panose="02020603050405020304" pitchFamily="18" charset="0"/>
+                <a:cs typeface="Times New Roman" panose="02020603050405020304" pitchFamily="18" charset="0"/>
+              </a:rPr>
+              <a:t> based on their acoustic, speech, energy, instrumental, and tempo features. It assigns:</a:t>
+            </a:r>
+          </a:p>
+          <a:p>
+            <a:pPr marL="285750" indent="-285750">
+              <a:lnSpc>
+                <a:spcPct val="150000"/>
+              </a:lnSpc>
+              <a:buFont typeface="Wingdings" panose="05000000000000000000" pitchFamily="2" charset="2"/>
+              <a:buChar char="q"/>
+            </a:pPr>
+            <a:r>
+              <a:rPr lang="en-US" sz="1600" b="1" dirty="0">
+                <a:latin typeface="Times New Roman" panose="02020603050405020304" pitchFamily="18" charset="0"/>
+                <a:cs typeface="Times New Roman" panose="02020603050405020304" pitchFamily="18" charset="0"/>
+              </a:rPr>
+              <a:t>Relaxation/Yoga</a:t>
+            </a:r>
+            <a:r>
+              <a:rPr lang="en-US" sz="1600" dirty="0">
+                <a:latin typeface="Times New Roman" panose="02020603050405020304" pitchFamily="18" charset="0"/>
+                <a:cs typeface="Times New Roman" panose="02020603050405020304" pitchFamily="18" charset="0"/>
+              </a:rPr>
+              <a:t> if the track is highly acoustic, low-energy, and has a moderate tempo.</a:t>
+            </a:r>
+          </a:p>
+          <a:p>
+            <a:pPr marL="285750" indent="-285750">
+              <a:lnSpc>
+                <a:spcPct val="150000"/>
+              </a:lnSpc>
+              <a:buFont typeface="Wingdings" panose="05000000000000000000" pitchFamily="2" charset="2"/>
+              <a:buChar char="q"/>
+            </a:pPr>
+            <a:r>
+              <a:rPr lang="en-US" sz="1600" b="1" dirty="0">
+                <a:latin typeface="Times New Roman" panose="02020603050405020304" pitchFamily="18" charset="0"/>
+                <a:cs typeface="Times New Roman" panose="02020603050405020304" pitchFamily="18" charset="0"/>
+              </a:rPr>
+              <a:t>Devotional</a:t>
+            </a:r>
+            <a:r>
+              <a:rPr lang="en-US" sz="1600" dirty="0">
+                <a:latin typeface="Times New Roman" panose="02020603050405020304" pitchFamily="18" charset="0"/>
+                <a:cs typeface="Times New Roman" panose="02020603050405020304" pitchFamily="18" charset="0"/>
+              </a:rPr>
+              <a:t> if the track has a high speech component and is largely instrumental.</a:t>
+            </a:r>
+          </a:p>
+          <a:p>
+            <a:pPr marL="285750" indent="-285750">
+              <a:lnSpc>
+                <a:spcPct val="150000"/>
+              </a:lnSpc>
+              <a:buFont typeface="Wingdings" panose="05000000000000000000" pitchFamily="2" charset="2"/>
+              <a:buChar char="q"/>
+            </a:pPr>
+            <a:r>
+              <a:rPr lang="en-US" sz="1600" b="1" dirty="0">
+                <a:latin typeface="Times New Roman" panose="02020603050405020304" pitchFamily="18" charset="0"/>
+                <a:cs typeface="Times New Roman" panose="02020603050405020304" pitchFamily="18" charset="0"/>
+              </a:rPr>
+              <a:t>Other</a:t>
+            </a:r>
+            <a:r>
+              <a:rPr lang="en-US" sz="1600" dirty="0">
+                <a:latin typeface="Times New Roman" panose="02020603050405020304" pitchFamily="18" charset="0"/>
+                <a:cs typeface="Times New Roman" panose="02020603050405020304" pitchFamily="18" charset="0"/>
+              </a:rPr>
+              <a:t> if it doesn’t fit the above categories.</a:t>
+            </a:r>
+          </a:p>
+        </p:txBody>
+      </p:sp>
     </p:spTree>
   </p:cSld>
   <p:clrMapOvr>
@@ -4959,42 +5760,6 @@
           <a:chExt cx="0" cy="0"/>
         </a:xfrm>
       </p:grpSpPr>
-      <p:pic>
-        <p:nvPicPr>
-          <p:cNvPr id="3" name="Picture 2">
-            <a:extLst>
-              <a:ext uri="{FF2B5EF4-FFF2-40B4-BE49-F238E27FC236}">
-                <a16:creationId xmlns:a16="http://schemas.microsoft.com/office/drawing/2014/main" id="{7A596AAD-49F1-3C35-9AED-466049550B9B}"/>
-              </a:ext>
-            </a:extLst>
-          </p:cNvPr>
-          <p:cNvPicPr>
-            <a:picLocks noChangeAspect="1"/>
-          </p:cNvPicPr>
-          <p:nvPr/>
-        </p:nvPicPr>
-        <p:blipFill>
-          <a:blip r:embed="rId2">
-            <a:extLst>
-              <a:ext uri="{28A0092B-C50C-407E-A947-70E740481C1C}">
-                <a14:useLocalDpi xmlns:a14="http://schemas.microsoft.com/office/drawing/2010/main" val="0"/>
-              </a:ext>
-            </a:extLst>
-          </a:blip>
-          <a:stretch>
-            <a:fillRect/>
-          </a:stretch>
-        </p:blipFill>
-        <p:spPr>
-          <a:xfrm>
-            <a:off x="381000" y="742950"/>
-            <a:ext cx="8229600" cy="4191000"/>
-          </a:xfrm>
-          <a:prstGeom prst="rect">
-            <a:avLst/>
-          </a:prstGeom>
-        </p:spPr>
-      </p:pic>
       <p:sp>
         <p:nvSpPr>
           <p:cNvPr id="4" name="TextBox 3">
@@ -5030,6 +5795,36 @@
           </a:p>
         </p:txBody>
       </p:sp>
+      <p:pic>
+        <p:nvPicPr>
+          <p:cNvPr id="5" name="Picture 4">
+            <a:extLst>
+              <a:ext uri="{FF2B5EF4-FFF2-40B4-BE49-F238E27FC236}">
+                <a16:creationId xmlns:a16="http://schemas.microsoft.com/office/drawing/2014/main" id="{BE13353D-13DA-D663-BA88-37199FDB0BC5}"/>
+              </a:ext>
+            </a:extLst>
+          </p:cNvPr>
+          <p:cNvPicPr>
+            <a:picLocks noChangeAspect="1"/>
+          </p:cNvPicPr>
+          <p:nvPr/>
+        </p:nvPicPr>
+        <p:blipFill>
+          <a:blip r:embed="rId2"/>
+          <a:stretch>
+            <a:fillRect/>
+          </a:stretch>
+        </p:blipFill>
+        <p:spPr>
+          <a:xfrm>
+            <a:off x="308516" y="830884"/>
+            <a:ext cx="7997283" cy="3739080"/>
+          </a:xfrm>
+          <a:prstGeom prst="rect">
+            <a:avLst/>
+          </a:prstGeom>
+        </p:spPr>
+      </p:pic>
     </p:spTree>
     <p:extLst>
       <p:ext uri="{BB962C8B-B14F-4D97-AF65-F5344CB8AC3E}">
